--- a/Batch 4.pptx
+++ b/Batch 4.pptx
@@ -13,6 +13,9 @@
     <p:sldId id="261" r:id="rId7"/>
     <p:sldId id="262" r:id="rId8"/>
     <p:sldId id="263" r:id="rId9"/>
+    <p:sldId id="264" r:id="rId10"/>
+    <p:sldId id="265" r:id="rId11"/>
+    <p:sldId id="266" r:id="rId12"/>
   </p:sldIdLst>
   <p:sldSz cx="12192000" cy="6858000"/>
   <p:notesSz cx="6858000" cy="9144000"/>
@@ -268,7 +271,7 @@
           <a:p>
             <a:fld id="{089F804C-F0DE-4706-94EE-91E571C1FE9F}" type="datetimeFigureOut">
               <a:rPr lang="en-IN" smtClean="0"/>
-              <a:t>14-08-2019</a:t>
+              <a:t>22-08-2019</a:t>
             </a:fld>
             <a:endParaRPr lang="en-IN"/>
           </a:p>
@@ -468,7 +471,7 @@
           <a:p>
             <a:fld id="{089F804C-F0DE-4706-94EE-91E571C1FE9F}" type="datetimeFigureOut">
               <a:rPr lang="en-IN" smtClean="0"/>
-              <a:t>14-08-2019</a:t>
+              <a:t>22-08-2019</a:t>
             </a:fld>
             <a:endParaRPr lang="en-IN"/>
           </a:p>
@@ -678,7 +681,7 @@
           <a:p>
             <a:fld id="{089F804C-F0DE-4706-94EE-91E571C1FE9F}" type="datetimeFigureOut">
               <a:rPr lang="en-IN" smtClean="0"/>
-              <a:t>14-08-2019</a:t>
+              <a:t>22-08-2019</a:t>
             </a:fld>
             <a:endParaRPr lang="en-IN"/>
           </a:p>
@@ -878,7 +881,7 @@
           <a:p>
             <a:fld id="{089F804C-F0DE-4706-94EE-91E571C1FE9F}" type="datetimeFigureOut">
               <a:rPr lang="en-IN" smtClean="0"/>
-              <a:t>14-08-2019</a:t>
+              <a:t>22-08-2019</a:t>
             </a:fld>
             <a:endParaRPr lang="en-IN"/>
           </a:p>
@@ -1154,7 +1157,7 @@
           <a:p>
             <a:fld id="{089F804C-F0DE-4706-94EE-91E571C1FE9F}" type="datetimeFigureOut">
               <a:rPr lang="en-IN" smtClean="0"/>
-              <a:t>14-08-2019</a:t>
+              <a:t>22-08-2019</a:t>
             </a:fld>
             <a:endParaRPr lang="en-IN"/>
           </a:p>
@@ -1422,7 +1425,7 @@
           <a:p>
             <a:fld id="{089F804C-F0DE-4706-94EE-91E571C1FE9F}" type="datetimeFigureOut">
               <a:rPr lang="en-IN" smtClean="0"/>
-              <a:t>14-08-2019</a:t>
+              <a:t>22-08-2019</a:t>
             </a:fld>
             <a:endParaRPr lang="en-IN"/>
           </a:p>
@@ -1837,7 +1840,7 @@
           <a:p>
             <a:fld id="{089F804C-F0DE-4706-94EE-91E571C1FE9F}" type="datetimeFigureOut">
               <a:rPr lang="en-IN" smtClean="0"/>
-              <a:t>14-08-2019</a:t>
+              <a:t>22-08-2019</a:t>
             </a:fld>
             <a:endParaRPr lang="en-IN"/>
           </a:p>
@@ -1979,7 +1982,7 @@
           <a:p>
             <a:fld id="{089F804C-F0DE-4706-94EE-91E571C1FE9F}" type="datetimeFigureOut">
               <a:rPr lang="en-IN" smtClean="0"/>
-              <a:t>14-08-2019</a:t>
+              <a:t>22-08-2019</a:t>
             </a:fld>
             <a:endParaRPr lang="en-IN"/>
           </a:p>
@@ -2092,7 +2095,7 @@
           <a:p>
             <a:fld id="{089F804C-F0DE-4706-94EE-91E571C1FE9F}" type="datetimeFigureOut">
               <a:rPr lang="en-IN" smtClean="0"/>
-              <a:t>14-08-2019</a:t>
+              <a:t>22-08-2019</a:t>
             </a:fld>
             <a:endParaRPr lang="en-IN"/>
           </a:p>
@@ -2405,7 +2408,7 @@
           <a:p>
             <a:fld id="{089F804C-F0DE-4706-94EE-91E571C1FE9F}" type="datetimeFigureOut">
               <a:rPr lang="en-IN" smtClean="0"/>
-              <a:t>14-08-2019</a:t>
+              <a:t>22-08-2019</a:t>
             </a:fld>
             <a:endParaRPr lang="en-IN"/>
           </a:p>
@@ -2694,7 +2697,7 @@
           <a:p>
             <a:fld id="{089F804C-F0DE-4706-94EE-91E571C1FE9F}" type="datetimeFigureOut">
               <a:rPr lang="en-IN" smtClean="0"/>
-              <a:t>14-08-2019</a:t>
+              <a:t>22-08-2019</a:t>
             </a:fld>
             <a:endParaRPr lang="en-IN"/>
           </a:p>
@@ -2937,7 +2940,7 @@
           <a:p>
             <a:fld id="{089F804C-F0DE-4706-94EE-91E571C1FE9F}" type="datetimeFigureOut">
               <a:rPr lang="en-IN" smtClean="0"/>
-              <a:t>14-08-2019</a:t>
+              <a:t>22-08-2019</a:t>
             </a:fld>
             <a:endParaRPr lang="en-IN"/>
           </a:p>
@@ -3417,6 +3420,2129 @@
 </p:sld>
 </file>
 
+<file path=ppt/slides/slide10.xml><?xml version="1.0" encoding="utf-8"?>
+<p:sld xmlns:a="http://schemas.openxmlformats.org/drawingml/2006/main" xmlns:r="http://schemas.openxmlformats.org/officeDocument/2006/relationships" xmlns:p="http://schemas.openxmlformats.org/presentationml/2006/main">
+  <p:cSld>
+    <p:spTree>
+      <p:nvGrpSpPr>
+        <p:cNvPr id="1" name=""/>
+        <p:cNvGrpSpPr/>
+        <p:nvPr/>
+      </p:nvGrpSpPr>
+      <p:grpSpPr>
+        <a:xfrm>
+          <a:off x="0" y="0"/>
+          <a:ext cx="0" cy="0"/>
+          <a:chOff x="0" y="0"/>
+          <a:chExt cx="0" cy="0"/>
+        </a:xfrm>
+      </p:grpSpPr>
+      <p:pic>
+        <p:nvPicPr>
+          <p:cNvPr id="5" name="Graphic 4">
+            <a:extLst>
+              <a:ext uri="{FF2B5EF4-FFF2-40B4-BE49-F238E27FC236}">
+                <a16:creationId xmlns:a16="http://schemas.microsoft.com/office/drawing/2014/main" id="{635E88BB-D217-47CF-AA59-C57261B86ACB}"/>
+              </a:ext>
+            </a:extLst>
+          </p:cNvPr>
+          <p:cNvPicPr>
+            <a:picLocks noChangeAspect="1"/>
+          </p:cNvPicPr>
+          <p:nvPr/>
+        </p:nvPicPr>
+        <p:blipFill>
+          <a:blip r:embed="rId2">
+            <a:extLst>
+              <a:ext uri="{28A0092B-C50C-407E-A947-70E740481C1C}">
+                <a14:useLocalDpi xmlns:a14="http://schemas.microsoft.com/office/drawing/2010/main" val="0"/>
+              </a:ext>
+              <a:ext uri="{96DAC541-7B7A-43D3-8B79-37D633B846F1}">
+                <asvg:svgBlip xmlns:asvg="http://schemas.microsoft.com/office/drawing/2016/SVG/main" r:embed="rId3"/>
+              </a:ext>
+            </a:extLst>
+          </a:blip>
+          <a:stretch>
+            <a:fillRect/>
+          </a:stretch>
+        </p:blipFill>
+        <p:spPr>
+          <a:xfrm>
+            <a:off x="2289175" y="3104991"/>
+            <a:ext cx="1132206" cy="1132206"/>
+          </a:xfrm>
+          <a:prstGeom prst="rect">
+            <a:avLst/>
+          </a:prstGeom>
+        </p:spPr>
+      </p:pic>
+      <p:pic>
+        <p:nvPicPr>
+          <p:cNvPr id="7" name="Graphic 6">
+            <a:extLst>
+              <a:ext uri="{FF2B5EF4-FFF2-40B4-BE49-F238E27FC236}">
+                <a16:creationId xmlns:a16="http://schemas.microsoft.com/office/drawing/2014/main" id="{DAFBEFE8-6A5B-438E-A9CE-3BA85D7DCC86}"/>
+              </a:ext>
+            </a:extLst>
+          </p:cNvPr>
+          <p:cNvPicPr>
+            <a:picLocks noChangeAspect="1"/>
+          </p:cNvPicPr>
+          <p:nvPr/>
+        </p:nvPicPr>
+        <p:blipFill>
+          <a:blip r:embed="rId4">
+            <a:extLst>
+              <a:ext uri="{28A0092B-C50C-407E-A947-70E740481C1C}">
+                <a14:useLocalDpi xmlns:a14="http://schemas.microsoft.com/office/drawing/2010/main" val="0"/>
+              </a:ext>
+              <a:ext uri="{96DAC541-7B7A-43D3-8B79-37D633B846F1}">
+                <asvg:svgBlip xmlns:asvg="http://schemas.microsoft.com/office/drawing/2016/SVG/main" r:embed="rId5"/>
+              </a:ext>
+            </a:extLst>
+          </a:blip>
+          <a:stretch>
+            <a:fillRect/>
+          </a:stretch>
+        </p:blipFill>
+        <p:spPr>
+          <a:xfrm>
+            <a:off x="5103494" y="1766728"/>
+            <a:ext cx="629285" cy="629285"/>
+          </a:xfrm>
+          <a:prstGeom prst="rect">
+            <a:avLst/>
+          </a:prstGeom>
+        </p:spPr>
+      </p:pic>
+      <p:pic>
+        <p:nvPicPr>
+          <p:cNvPr id="9" name="Graphic 8">
+            <a:extLst>
+              <a:ext uri="{FF2B5EF4-FFF2-40B4-BE49-F238E27FC236}">
+                <a16:creationId xmlns:a16="http://schemas.microsoft.com/office/drawing/2014/main" id="{48F20333-D353-4E3D-AE93-C62569C88DAB}"/>
+              </a:ext>
+            </a:extLst>
+          </p:cNvPr>
+          <p:cNvPicPr>
+            <a:picLocks noChangeAspect="1"/>
+          </p:cNvPicPr>
+          <p:nvPr/>
+        </p:nvPicPr>
+        <p:blipFill>
+          <a:blip r:embed="rId6">
+            <a:extLst>
+              <a:ext uri="{28A0092B-C50C-407E-A947-70E740481C1C}">
+                <a14:useLocalDpi xmlns:a14="http://schemas.microsoft.com/office/drawing/2010/main" val="0"/>
+              </a:ext>
+              <a:ext uri="{96DAC541-7B7A-43D3-8B79-37D633B846F1}">
+                <asvg:svgBlip xmlns:asvg="http://schemas.microsoft.com/office/drawing/2016/SVG/main" r:embed="rId7"/>
+              </a:ext>
+            </a:extLst>
+          </a:blip>
+          <a:stretch>
+            <a:fillRect/>
+          </a:stretch>
+        </p:blipFill>
+        <p:spPr>
+          <a:xfrm>
+            <a:off x="5103494" y="3432969"/>
+            <a:ext cx="629284" cy="629284"/>
+          </a:xfrm>
+          <a:prstGeom prst="rect">
+            <a:avLst/>
+          </a:prstGeom>
+        </p:spPr>
+      </p:pic>
+      <p:pic>
+        <p:nvPicPr>
+          <p:cNvPr id="11" name="Graphic 10">
+            <a:extLst>
+              <a:ext uri="{FF2B5EF4-FFF2-40B4-BE49-F238E27FC236}">
+                <a16:creationId xmlns:a16="http://schemas.microsoft.com/office/drawing/2014/main" id="{E20AC08A-F2DF-436E-8CE6-CA1A55211380}"/>
+              </a:ext>
+            </a:extLst>
+          </p:cNvPr>
+          <p:cNvPicPr>
+            <a:picLocks noChangeAspect="1"/>
+          </p:cNvPicPr>
+          <p:nvPr/>
+        </p:nvPicPr>
+        <p:blipFill>
+          <a:blip r:embed="rId8">
+            <a:extLst>
+              <a:ext uri="{28A0092B-C50C-407E-A947-70E740481C1C}">
+                <a14:useLocalDpi xmlns:a14="http://schemas.microsoft.com/office/drawing/2010/main" val="0"/>
+              </a:ext>
+              <a:ext uri="{96DAC541-7B7A-43D3-8B79-37D633B846F1}">
+                <asvg:svgBlip xmlns:asvg="http://schemas.microsoft.com/office/drawing/2016/SVG/main" r:embed="rId9"/>
+              </a:ext>
+            </a:extLst>
+          </a:blip>
+          <a:stretch>
+            <a:fillRect/>
+          </a:stretch>
+        </p:blipFill>
+        <p:spPr>
+          <a:xfrm>
+            <a:off x="5082539" y="4935697"/>
+            <a:ext cx="650239" cy="650239"/>
+          </a:xfrm>
+          <a:prstGeom prst="rect">
+            <a:avLst/>
+          </a:prstGeom>
+        </p:spPr>
+      </p:pic>
+      <p:cxnSp>
+        <p:nvCxnSpPr>
+          <p:cNvPr id="13" name="Straight Arrow Connector 12">
+            <a:extLst>
+              <a:ext uri="{FF2B5EF4-FFF2-40B4-BE49-F238E27FC236}">
+                <a16:creationId xmlns:a16="http://schemas.microsoft.com/office/drawing/2014/main" id="{E0FF33CF-ECA9-4701-8101-A065031F618E}"/>
+              </a:ext>
+            </a:extLst>
+          </p:cNvPr>
+          <p:cNvCxnSpPr>
+            <a:stCxn id="5" idx="3"/>
+            <a:endCxn id="7" idx="1"/>
+          </p:cNvCxnSpPr>
+          <p:nvPr/>
+        </p:nvCxnSpPr>
+        <p:spPr>
+          <a:xfrm flipV="1">
+            <a:off x="3421381" y="2081371"/>
+            <a:ext cx="1682113" cy="1589723"/>
+          </a:xfrm>
+          <a:prstGeom prst="straightConnector1">
+            <a:avLst/>
+          </a:prstGeom>
+          <a:ln>
+            <a:tailEnd type="triangle"/>
+          </a:ln>
+        </p:spPr>
+        <p:style>
+          <a:lnRef idx="1">
+            <a:schemeClr val="accent1"/>
+          </a:lnRef>
+          <a:fillRef idx="0">
+            <a:schemeClr val="accent1"/>
+          </a:fillRef>
+          <a:effectRef idx="0">
+            <a:schemeClr val="accent1"/>
+          </a:effectRef>
+          <a:fontRef idx="minor">
+            <a:schemeClr val="tx1"/>
+          </a:fontRef>
+        </p:style>
+      </p:cxnSp>
+      <p:cxnSp>
+        <p:nvCxnSpPr>
+          <p:cNvPr id="15" name="Straight Arrow Connector 14">
+            <a:extLst>
+              <a:ext uri="{FF2B5EF4-FFF2-40B4-BE49-F238E27FC236}">
+                <a16:creationId xmlns:a16="http://schemas.microsoft.com/office/drawing/2014/main" id="{7BD47E99-3FF9-46A7-9C66-8DB4A3F0EFE4}"/>
+              </a:ext>
+            </a:extLst>
+          </p:cNvPr>
+          <p:cNvCxnSpPr>
+            <a:stCxn id="5" idx="3"/>
+            <a:endCxn id="9" idx="1"/>
+          </p:cNvCxnSpPr>
+          <p:nvPr/>
+        </p:nvCxnSpPr>
+        <p:spPr>
+          <a:xfrm>
+            <a:off x="3421381" y="3671094"/>
+            <a:ext cx="1682113" cy="76517"/>
+          </a:xfrm>
+          <a:prstGeom prst="straightConnector1">
+            <a:avLst/>
+          </a:prstGeom>
+          <a:ln>
+            <a:tailEnd type="triangle"/>
+          </a:ln>
+        </p:spPr>
+        <p:style>
+          <a:lnRef idx="1">
+            <a:schemeClr val="accent1"/>
+          </a:lnRef>
+          <a:fillRef idx="0">
+            <a:schemeClr val="accent1"/>
+          </a:fillRef>
+          <a:effectRef idx="0">
+            <a:schemeClr val="accent1"/>
+          </a:effectRef>
+          <a:fontRef idx="minor">
+            <a:schemeClr val="tx1"/>
+          </a:fontRef>
+        </p:style>
+      </p:cxnSp>
+      <p:cxnSp>
+        <p:nvCxnSpPr>
+          <p:cNvPr id="17" name="Straight Arrow Connector 16">
+            <a:extLst>
+              <a:ext uri="{FF2B5EF4-FFF2-40B4-BE49-F238E27FC236}">
+                <a16:creationId xmlns:a16="http://schemas.microsoft.com/office/drawing/2014/main" id="{327DCA59-474D-4E8D-AC00-617C9BA25B0D}"/>
+              </a:ext>
+            </a:extLst>
+          </p:cNvPr>
+          <p:cNvCxnSpPr>
+            <a:stCxn id="5" idx="3"/>
+            <a:endCxn id="11" idx="1"/>
+          </p:cNvCxnSpPr>
+          <p:nvPr/>
+        </p:nvCxnSpPr>
+        <p:spPr>
+          <a:xfrm>
+            <a:off x="3421381" y="3671094"/>
+            <a:ext cx="1661158" cy="1589723"/>
+          </a:xfrm>
+          <a:prstGeom prst="straightConnector1">
+            <a:avLst/>
+          </a:prstGeom>
+          <a:ln>
+            <a:tailEnd type="triangle"/>
+          </a:ln>
+        </p:spPr>
+        <p:style>
+          <a:lnRef idx="1">
+            <a:schemeClr val="accent1"/>
+          </a:lnRef>
+          <a:fillRef idx="0">
+            <a:schemeClr val="accent1"/>
+          </a:fillRef>
+          <a:effectRef idx="0">
+            <a:schemeClr val="accent1"/>
+          </a:effectRef>
+          <a:fontRef idx="minor">
+            <a:schemeClr val="tx1"/>
+          </a:fontRef>
+        </p:style>
+      </p:cxnSp>
+      <p:pic>
+        <p:nvPicPr>
+          <p:cNvPr id="19" name="Graphic 18">
+            <a:extLst>
+              <a:ext uri="{FF2B5EF4-FFF2-40B4-BE49-F238E27FC236}">
+                <a16:creationId xmlns:a16="http://schemas.microsoft.com/office/drawing/2014/main" id="{0C45902F-6DC9-48F2-BAA3-50001FF646E5}"/>
+              </a:ext>
+            </a:extLst>
+          </p:cNvPr>
+          <p:cNvPicPr>
+            <a:picLocks noChangeAspect="1"/>
+          </p:cNvPicPr>
+          <p:nvPr/>
+        </p:nvPicPr>
+        <p:blipFill>
+          <a:blip r:embed="rId10">
+            <a:extLst>
+              <a:ext uri="{28A0092B-C50C-407E-A947-70E740481C1C}">
+                <a14:useLocalDpi xmlns:a14="http://schemas.microsoft.com/office/drawing/2010/main" val="0"/>
+              </a:ext>
+              <a:ext uri="{96DAC541-7B7A-43D3-8B79-37D633B846F1}">
+                <asvg:svgBlip xmlns:asvg="http://schemas.microsoft.com/office/drawing/2016/SVG/main" r:embed="rId11"/>
+              </a:ext>
+            </a:extLst>
+          </a:blip>
+          <a:stretch>
+            <a:fillRect/>
+          </a:stretch>
+        </p:blipFill>
+        <p:spPr>
+          <a:xfrm>
+            <a:off x="6828788" y="3364708"/>
+            <a:ext cx="711832" cy="711832"/>
+          </a:xfrm>
+          <a:prstGeom prst="rect">
+            <a:avLst/>
+          </a:prstGeom>
+        </p:spPr>
+      </p:pic>
+      <p:cxnSp>
+        <p:nvCxnSpPr>
+          <p:cNvPr id="21" name="Straight Arrow Connector 20">
+            <a:extLst>
+              <a:ext uri="{FF2B5EF4-FFF2-40B4-BE49-F238E27FC236}">
+                <a16:creationId xmlns:a16="http://schemas.microsoft.com/office/drawing/2014/main" id="{93D52C16-C5C9-408B-84F1-87FB6FC5999D}"/>
+              </a:ext>
+            </a:extLst>
+          </p:cNvPr>
+          <p:cNvCxnSpPr>
+            <a:stCxn id="9" idx="3"/>
+            <a:endCxn id="19" idx="1"/>
+          </p:cNvCxnSpPr>
+          <p:nvPr/>
+        </p:nvCxnSpPr>
+        <p:spPr>
+          <a:xfrm flipV="1">
+            <a:off x="5732778" y="3720624"/>
+            <a:ext cx="1096010" cy="26987"/>
+          </a:xfrm>
+          <a:prstGeom prst="straightConnector1">
+            <a:avLst/>
+          </a:prstGeom>
+          <a:ln>
+            <a:tailEnd type="triangle"/>
+          </a:ln>
+        </p:spPr>
+        <p:style>
+          <a:lnRef idx="1">
+            <a:schemeClr val="accent1"/>
+          </a:lnRef>
+          <a:fillRef idx="0">
+            <a:schemeClr val="accent1"/>
+          </a:fillRef>
+          <a:effectRef idx="0">
+            <a:schemeClr val="accent1"/>
+          </a:effectRef>
+          <a:fontRef idx="minor">
+            <a:schemeClr val="tx1"/>
+          </a:fontRef>
+        </p:style>
+      </p:cxnSp>
+      <p:cxnSp>
+        <p:nvCxnSpPr>
+          <p:cNvPr id="24" name="Straight Arrow Connector 23">
+            <a:extLst>
+              <a:ext uri="{FF2B5EF4-FFF2-40B4-BE49-F238E27FC236}">
+                <a16:creationId xmlns:a16="http://schemas.microsoft.com/office/drawing/2014/main" id="{47A2A615-4E9E-472D-8162-12DB2A584431}"/>
+              </a:ext>
+            </a:extLst>
+          </p:cNvPr>
+          <p:cNvCxnSpPr>
+            <a:cxnSpLocks/>
+            <a:stCxn id="19" idx="3"/>
+            <a:endCxn id="25" idx="1"/>
+          </p:cNvCxnSpPr>
+          <p:nvPr/>
+        </p:nvCxnSpPr>
+        <p:spPr>
+          <a:xfrm>
+            <a:off x="7540620" y="3720624"/>
+            <a:ext cx="1193789" cy="26987"/>
+          </a:xfrm>
+          <a:prstGeom prst="straightConnector1">
+            <a:avLst/>
+          </a:prstGeom>
+          <a:ln>
+            <a:tailEnd type="triangle"/>
+          </a:ln>
+        </p:spPr>
+        <p:style>
+          <a:lnRef idx="1">
+            <a:schemeClr val="accent1"/>
+          </a:lnRef>
+          <a:fillRef idx="0">
+            <a:schemeClr val="accent1"/>
+          </a:fillRef>
+          <a:effectRef idx="0">
+            <a:schemeClr val="accent1"/>
+          </a:effectRef>
+          <a:fontRef idx="minor">
+            <a:schemeClr val="tx1"/>
+          </a:fontRef>
+        </p:style>
+      </p:cxnSp>
+      <p:sp>
+        <p:nvSpPr>
+          <p:cNvPr id="25" name="Rectangle 24">
+            <a:extLst>
+              <a:ext uri="{FF2B5EF4-FFF2-40B4-BE49-F238E27FC236}">
+                <a16:creationId xmlns:a16="http://schemas.microsoft.com/office/drawing/2014/main" id="{65542350-F914-4DED-92B4-2B036EE243F5}"/>
+              </a:ext>
+            </a:extLst>
+          </p:cNvPr>
+          <p:cNvSpPr/>
+          <p:nvPr/>
+        </p:nvSpPr>
+        <p:spPr>
+          <a:xfrm>
+            <a:off x="8734409" y="3458528"/>
+            <a:ext cx="1158228" cy="578166"/>
+          </a:xfrm>
+          <a:prstGeom prst="rect">
+            <a:avLst/>
+          </a:prstGeom>
+        </p:spPr>
+        <p:style>
+          <a:lnRef idx="2">
+            <a:schemeClr val="accent1">
+              <a:shade val="50000"/>
+            </a:schemeClr>
+          </a:lnRef>
+          <a:fillRef idx="1">
+            <a:schemeClr val="accent1"/>
+          </a:fillRef>
+          <a:effectRef idx="0">
+            <a:schemeClr val="accent1"/>
+          </a:effectRef>
+          <a:fontRef idx="minor">
+            <a:schemeClr val="lt1"/>
+          </a:fontRef>
+        </p:style>
+        <p:txBody>
+          <a:bodyPr rtlCol="0" anchor="ctr"/>
+          <a:lstStyle/>
+          <a:p>
+            <a:pPr algn="ctr"/>
+            <a:r>
+              <a:rPr lang="en-IN" dirty="0"/>
+              <a:t>Mail</a:t>
+            </a:r>
+          </a:p>
+        </p:txBody>
+      </p:sp>
+      <p:pic>
+        <p:nvPicPr>
+          <p:cNvPr id="27" name="Graphic 26">
+            <a:extLst>
+              <a:ext uri="{FF2B5EF4-FFF2-40B4-BE49-F238E27FC236}">
+                <a16:creationId xmlns:a16="http://schemas.microsoft.com/office/drawing/2014/main" id="{EBFB3C8D-F1F6-4D45-9B31-6C3C59E710DF}"/>
+              </a:ext>
+            </a:extLst>
+          </p:cNvPr>
+          <p:cNvPicPr>
+            <a:picLocks noChangeAspect="1"/>
+          </p:cNvPicPr>
+          <p:nvPr/>
+        </p:nvPicPr>
+        <p:blipFill>
+          <a:blip r:embed="rId12">
+            <a:extLst>
+              <a:ext uri="{28A0092B-C50C-407E-A947-70E740481C1C}">
+                <a14:useLocalDpi xmlns:a14="http://schemas.microsoft.com/office/drawing/2010/main" val="0"/>
+              </a:ext>
+              <a:ext uri="{96DAC541-7B7A-43D3-8B79-37D633B846F1}">
+                <asvg:svgBlip xmlns:asvg="http://schemas.microsoft.com/office/drawing/2016/SVG/main" r:embed="rId13"/>
+              </a:ext>
+            </a:extLst>
+          </a:blip>
+          <a:stretch>
+            <a:fillRect/>
+          </a:stretch>
+        </p:blipFill>
+        <p:spPr>
+          <a:xfrm>
+            <a:off x="6879903" y="1786413"/>
+            <a:ext cx="609600" cy="609600"/>
+          </a:xfrm>
+          <a:prstGeom prst="rect">
+            <a:avLst/>
+          </a:prstGeom>
+        </p:spPr>
+      </p:pic>
+      <p:cxnSp>
+        <p:nvCxnSpPr>
+          <p:cNvPr id="29" name="Straight Arrow Connector 28">
+            <a:extLst>
+              <a:ext uri="{FF2B5EF4-FFF2-40B4-BE49-F238E27FC236}">
+                <a16:creationId xmlns:a16="http://schemas.microsoft.com/office/drawing/2014/main" id="{DBE8D412-95CC-4787-A9D5-F4BCB19BFAAF}"/>
+              </a:ext>
+            </a:extLst>
+          </p:cNvPr>
+          <p:cNvCxnSpPr>
+            <a:stCxn id="7" idx="3"/>
+            <a:endCxn id="27" idx="1"/>
+          </p:cNvCxnSpPr>
+          <p:nvPr/>
+        </p:nvCxnSpPr>
+        <p:spPr>
+          <a:xfrm>
+            <a:off x="5732779" y="2081371"/>
+            <a:ext cx="1147124" cy="9842"/>
+          </a:xfrm>
+          <a:prstGeom prst="straightConnector1">
+            <a:avLst/>
+          </a:prstGeom>
+          <a:ln>
+            <a:tailEnd type="triangle"/>
+          </a:ln>
+        </p:spPr>
+        <p:style>
+          <a:lnRef idx="1">
+            <a:schemeClr val="accent1"/>
+          </a:lnRef>
+          <a:fillRef idx="0">
+            <a:schemeClr val="accent1"/>
+          </a:fillRef>
+          <a:effectRef idx="0">
+            <a:schemeClr val="accent1"/>
+          </a:effectRef>
+          <a:fontRef idx="minor">
+            <a:schemeClr val="tx1"/>
+          </a:fontRef>
+        </p:style>
+      </p:cxnSp>
+      <p:pic>
+        <p:nvPicPr>
+          <p:cNvPr id="30" name="Graphic 29">
+            <a:extLst>
+              <a:ext uri="{FF2B5EF4-FFF2-40B4-BE49-F238E27FC236}">
+                <a16:creationId xmlns:a16="http://schemas.microsoft.com/office/drawing/2014/main" id="{782619AD-DB1C-4EAA-A7AB-067D49880BA9}"/>
+              </a:ext>
+            </a:extLst>
+          </p:cNvPr>
+          <p:cNvPicPr>
+            <a:picLocks noChangeAspect="1"/>
+          </p:cNvPicPr>
+          <p:nvPr/>
+        </p:nvPicPr>
+        <p:blipFill>
+          <a:blip r:embed="rId4">
+            <a:extLst>
+              <a:ext uri="{28A0092B-C50C-407E-A947-70E740481C1C}">
+                <a14:useLocalDpi xmlns:a14="http://schemas.microsoft.com/office/drawing/2010/main" val="0"/>
+              </a:ext>
+              <a:ext uri="{96DAC541-7B7A-43D3-8B79-37D633B846F1}">
+                <asvg:svgBlip xmlns:asvg="http://schemas.microsoft.com/office/drawing/2016/SVG/main" r:embed="rId5"/>
+              </a:ext>
+            </a:extLst>
+          </a:blip>
+          <a:stretch>
+            <a:fillRect/>
+          </a:stretch>
+        </p:blipFill>
+        <p:spPr>
+          <a:xfrm>
+            <a:off x="8890606" y="1791810"/>
+            <a:ext cx="629285" cy="629285"/>
+          </a:xfrm>
+          <a:prstGeom prst="rect">
+            <a:avLst/>
+          </a:prstGeom>
+        </p:spPr>
+      </p:pic>
+      <p:cxnSp>
+        <p:nvCxnSpPr>
+          <p:cNvPr id="32" name="Straight Arrow Connector 31">
+            <a:extLst>
+              <a:ext uri="{FF2B5EF4-FFF2-40B4-BE49-F238E27FC236}">
+                <a16:creationId xmlns:a16="http://schemas.microsoft.com/office/drawing/2014/main" id="{1133F797-B736-45F9-AE50-81D7CD13C98E}"/>
+              </a:ext>
+            </a:extLst>
+          </p:cNvPr>
+          <p:cNvCxnSpPr>
+            <a:stCxn id="27" idx="3"/>
+            <a:endCxn id="30" idx="1"/>
+          </p:cNvCxnSpPr>
+          <p:nvPr/>
+        </p:nvCxnSpPr>
+        <p:spPr>
+          <a:xfrm>
+            <a:off x="7489503" y="2091213"/>
+            <a:ext cx="1401103" cy="15240"/>
+          </a:xfrm>
+          <a:prstGeom prst="straightConnector1">
+            <a:avLst/>
+          </a:prstGeom>
+          <a:ln>
+            <a:tailEnd type="triangle"/>
+          </a:ln>
+        </p:spPr>
+        <p:style>
+          <a:lnRef idx="1">
+            <a:schemeClr val="accent1"/>
+          </a:lnRef>
+          <a:fillRef idx="0">
+            <a:schemeClr val="accent1"/>
+          </a:fillRef>
+          <a:effectRef idx="0">
+            <a:schemeClr val="accent1"/>
+          </a:effectRef>
+          <a:fontRef idx="minor">
+            <a:schemeClr val="tx1"/>
+          </a:fontRef>
+        </p:style>
+      </p:cxnSp>
+      <p:sp>
+        <p:nvSpPr>
+          <p:cNvPr id="33" name="Oval 32">
+            <a:extLst>
+              <a:ext uri="{FF2B5EF4-FFF2-40B4-BE49-F238E27FC236}">
+                <a16:creationId xmlns:a16="http://schemas.microsoft.com/office/drawing/2014/main" id="{290D69BD-59B7-4D8C-BC1B-78B7110EC525}"/>
+              </a:ext>
+            </a:extLst>
+          </p:cNvPr>
+          <p:cNvSpPr/>
+          <p:nvPr/>
+        </p:nvSpPr>
+        <p:spPr>
+          <a:xfrm>
+            <a:off x="142559" y="3352482"/>
+            <a:ext cx="1132206" cy="637223"/>
+          </a:xfrm>
+          <a:prstGeom prst="ellipse">
+            <a:avLst/>
+          </a:prstGeom>
+        </p:spPr>
+        <p:style>
+          <a:lnRef idx="2">
+            <a:schemeClr val="accent1">
+              <a:shade val="50000"/>
+            </a:schemeClr>
+          </a:lnRef>
+          <a:fillRef idx="1">
+            <a:schemeClr val="accent1"/>
+          </a:fillRef>
+          <a:effectRef idx="0">
+            <a:schemeClr val="accent1"/>
+          </a:effectRef>
+          <a:fontRef idx="minor">
+            <a:schemeClr val="lt1"/>
+          </a:fontRef>
+        </p:style>
+        <p:txBody>
+          <a:bodyPr rtlCol="0" anchor="ctr"/>
+          <a:lstStyle/>
+          <a:p>
+            <a:pPr algn="ctr"/>
+            <a:r>
+              <a:rPr lang="en-IN" dirty="0"/>
+              <a:t>Client</a:t>
+            </a:r>
+          </a:p>
+        </p:txBody>
+      </p:sp>
+      <p:cxnSp>
+        <p:nvCxnSpPr>
+          <p:cNvPr id="40" name="Straight Arrow Connector 39">
+            <a:extLst>
+              <a:ext uri="{FF2B5EF4-FFF2-40B4-BE49-F238E27FC236}">
+                <a16:creationId xmlns:a16="http://schemas.microsoft.com/office/drawing/2014/main" id="{581A7867-0E4B-47CF-8980-667BC5BD8AD0}"/>
+              </a:ext>
+            </a:extLst>
+          </p:cNvPr>
+          <p:cNvCxnSpPr>
+            <a:stCxn id="33" idx="6"/>
+            <a:endCxn id="5" idx="1"/>
+          </p:cNvCxnSpPr>
+          <p:nvPr/>
+        </p:nvCxnSpPr>
+        <p:spPr>
+          <a:xfrm>
+            <a:off x="1274765" y="3671094"/>
+            <a:ext cx="1014410" cy="0"/>
+          </a:xfrm>
+          <a:prstGeom prst="straightConnector1">
+            <a:avLst/>
+          </a:prstGeom>
+          <a:ln>
+            <a:tailEnd type="triangle"/>
+          </a:ln>
+        </p:spPr>
+        <p:style>
+          <a:lnRef idx="1">
+            <a:schemeClr val="accent1"/>
+          </a:lnRef>
+          <a:fillRef idx="0">
+            <a:schemeClr val="accent1"/>
+          </a:fillRef>
+          <a:effectRef idx="0">
+            <a:schemeClr val="accent1"/>
+          </a:effectRef>
+          <a:fontRef idx="minor">
+            <a:schemeClr val="tx1"/>
+          </a:fontRef>
+        </p:style>
+      </p:cxnSp>
+      <p:sp>
+        <p:nvSpPr>
+          <p:cNvPr id="43" name="TextBox 42">
+            <a:extLst>
+              <a:ext uri="{FF2B5EF4-FFF2-40B4-BE49-F238E27FC236}">
+                <a16:creationId xmlns:a16="http://schemas.microsoft.com/office/drawing/2014/main" id="{E4058DD0-6C59-46A9-81C3-1D00CC1A655F}"/>
+              </a:ext>
+            </a:extLst>
+          </p:cNvPr>
+          <p:cNvSpPr txBox="1"/>
+          <p:nvPr/>
+        </p:nvSpPr>
+        <p:spPr>
+          <a:xfrm>
+            <a:off x="2289175" y="238125"/>
+            <a:ext cx="6854825" cy="461665"/>
+          </a:xfrm>
+          <a:prstGeom prst="rect">
+            <a:avLst/>
+          </a:prstGeom>
+          <a:noFill/>
+        </p:spPr>
+        <p:txBody>
+          <a:bodyPr wrap="square" rtlCol="0">
+            <a:spAutoFit/>
+          </a:bodyPr>
+          <a:lstStyle/>
+          <a:p>
+            <a:r>
+              <a:rPr lang="en-IN" sz="2400" b="1" dirty="0"/>
+              <a:t>Insurance Portal Application Architecture</a:t>
+            </a:r>
+          </a:p>
+        </p:txBody>
+      </p:sp>
+      <p:sp>
+        <p:nvSpPr>
+          <p:cNvPr id="44" name="TextBox 43">
+            <a:extLst>
+              <a:ext uri="{FF2B5EF4-FFF2-40B4-BE49-F238E27FC236}">
+                <a16:creationId xmlns:a16="http://schemas.microsoft.com/office/drawing/2014/main" id="{F5AD746C-18AB-4192-8FF2-6A023B383A0C}"/>
+              </a:ext>
+            </a:extLst>
+          </p:cNvPr>
+          <p:cNvSpPr txBox="1"/>
+          <p:nvPr/>
+        </p:nvSpPr>
+        <p:spPr>
+          <a:xfrm>
+            <a:off x="4886325" y="2421095"/>
+            <a:ext cx="1028700" cy="369332"/>
+          </a:xfrm>
+          <a:prstGeom prst="rect">
+            <a:avLst/>
+          </a:prstGeom>
+          <a:noFill/>
+        </p:spPr>
+        <p:txBody>
+          <a:bodyPr wrap="square" rtlCol="0">
+            <a:spAutoFit/>
+          </a:bodyPr>
+          <a:lstStyle/>
+          <a:p>
+            <a:r>
+              <a:rPr lang="en-IN" dirty="0"/>
+              <a:t>images</a:t>
+            </a:r>
+          </a:p>
+        </p:txBody>
+      </p:sp>
+      <p:sp>
+        <p:nvSpPr>
+          <p:cNvPr id="45" name="TextBox 44">
+            <a:extLst>
+              <a:ext uri="{FF2B5EF4-FFF2-40B4-BE49-F238E27FC236}">
+                <a16:creationId xmlns:a16="http://schemas.microsoft.com/office/drawing/2014/main" id="{69F40CC2-DCBF-4D03-9C81-EF48EA8A65D3}"/>
+              </a:ext>
+            </a:extLst>
+          </p:cNvPr>
+          <p:cNvSpPr txBox="1"/>
+          <p:nvPr/>
+        </p:nvSpPr>
+        <p:spPr>
+          <a:xfrm>
+            <a:off x="8734409" y="2430937"/>
+            <a:ext cx="1158228" cy="369332"/>
+          </a:xfrm>
+          <a:prstGeom prst="rect">
+            <a:avLst/>
+          </a:prstGeom>
+          <a:noFill/>
+        </p:spPr>
+        <p:txBody>
+          <a:bodyPr wrap="square" rtlCol="0">
+            <a:spAutoFit/>
+          </a:bodyPr>
+          <a:lstStyle/>
+          <a:p>
+            <a:r>
+              <a:rPr lang="en-IN" dirty="0"/>
+              <a:t>output</a:t>
+            </a:r>
+          </a:p>
+        </p:txBody>
+      </p:sp>
+      <p:sp>
+        <p:nvSpPr>
+          <p:cNvPr id="46" name="TextBox 45">
+            <a:extLst>
+              <a:ext uri="{FF2B5EF4-FFF2-40B4-BE49-F238E27FC236}">
+                <a16:creationId xmlns:a16="http://schemas.microsoft.com/office/drawing/2014/main" id="{AEBDD818-8D0E-4A1B-932F-95CCDB139BA3}"/>
+              </a:ext>
+            </a:extLst>
+          </p:cNvPr>
+          <p:cNvSpPr txBox="1"/>
+          <p:nvPr/>
+        </p:nvSpPr>
+        <p:spPr>
+          <a:xfrm>
+            <a:off x="4459607" y="4000497"/>
+            <a:ext cx="2133601" cy="369332"/>
+          </a:xfrm>
+          <a:prstGeom prst="rect">
+            <a:avLst/>
+          </a:prstGeom>
+          <a:noFill/>
+        </p:spPr>
+        <p:txBody>
+          <a:bodyPr wrap="square" rtlCol="0">
+            <a:spAutoFit/>
+          </a:bodyPr>
+          <a:lstStyle/>
+          <a:p>
+            <a:r>
+              <a:rPr lang="en-IN" dirty="0"/>
+              <a:t>Insurance-requests</a:t>
+            </a:r>
+          </a:p>
+        </p:txBody>
+      </p:sp>
+      <p:sp>
+        <p:nvSpPr>
+          <p:cNvPr id="47" name="TextBox 46">
+            <a:extLst>
+              <a:ext uri="{FF2B5EF4-FFF2-40B4-BE49-F238E27FC236}">
+                <a16:creationId xmlns:a16="http://schemas.microsoft.com/office/drawing/2014/main" id="{837C7A93-FD1E-4A88-96F0-9B9EE6FEB570}"/>
+              </a:ext>
+            </a:extLst>
+          </p:cNvPr>
+          <p:cNvSpPr txBox="1"/>
+          <p:nvPr/>
+        </p:nvSpPr>
+        <p:spPr>
+          <a:xfrm>
+            <a:off x="4899341" y="5651976"/>
+            <a:ext cx="1196659" cy="369332"/>
+          </a:xfrm>
+          <a:prstGeom prst="rect">
+            <a:avLst/>
+          </a:prstGeom>
+          <a:noFill/>
+        </p:spPr>
+        <p:txBody>
+          <a:bodyPr wrap="square" rtlCol="0">
+            <a:spAutoFit/>
+          </a:bodyPr>
+          <a:lstStyle/>
+          <a:p>
+            <a:r>
+              <a:rPr lang="en-IN" dirty="0"/>
+              <a:t>Customers</a:t>
+            </a:r>
+          </a:p>
+        </p:txBody>
+      </p:sp>
+    </p:spTree>
+    <p:extLst>
+      <p:ext uri="{BB962C8B-B14F-4D97-AF65-F5344CB8AC3E}">
+        <p14:creationId xmlns:p14="http://schemas.microsoft.com/office/powerpoint/2010/main" val="2975221014"/>
+      </p:ext>
+    </p:extLst>
+  </p:cSld>
+  <p:clrMapOvr>
+    <a:masterClrMapping/>
+  </p:clrMapOvr>
+</p:sld>
+</file>
+
+<file path=ppt/slides/slide11.xml><?xml version="1.0" encoding="utf-8"?>
+<p:sld xmlns:a="http://schemas.openxmlformats.org/drawingml/2006/main" xmlns:r="http://schemas.openxmlformats.org/officeDocument/2006/relationships" xmlns:p="http://schemas.openxmlformats.org/presentationml/2006/main">
+  <p:cSld>
+    <p:spTree>
+      <p:nvGrpSpPr>
+        <p:cNvPr id="1" name=""/>
+        <p:cNvGrpSpPr/>
+        <p:nvPr/>
+      </p:nvGrpSpPr>
+      <p:grpSpPr>
+        <a:xfrm>
+          <a:off x="0" y="0"/>
+          <a:ext cx="0" cy="0"/>
+          <a:chOff x="0" y="0"/>
+          <a:chExt cx="0" cy="0"/>
+        </a:xfrm>
+      </p:grpSpPr>
+      <p:sp>
+        <p:nvSpPr>
+          <p:cNvPr id="62" name="Rectangle 61">
+            <a:extLst>
+              <a:ext uri="{FF2B5EF4-FFF2-40B4-BE49-F238E27FC236}">
+                <a16:creationId xmlns:a16="http://schemas.microsoft.com/office/drawing/2014/main" id="{2F6B538F-5F4A-4ACF-95A2-E5006C6F6ED8}"/>
+              </a:ext>
+            </a:extLst>
+          </p:cNvPr>
+          <p:cNvSpPr/>
+          <p:nvPr/>
+        </p:nvSpPr>
+        <p:spPr>
+          <a:xfrm>
+            <a:off x="1281112" y="1605157"/>
+            <a:ext cx="10628671" cy="4663327"/>
+          </a:xfrm>
+          <a:prstGeom prst="rect">
+            <a:avLst/>
+          </a:prstGeom>
+          <a:solidFill>
+            <a:schemeClr val="accent6">
+              <a:lumMod val="20000"/>
+              <a:lumOff val="80000"/>
+            </a:schemeClr>
+          </a:solidFill>
+        </p:spPr>
+        <p:style>
+          <a:lnRef idx="2">
+            <a:schemeClr val="accent1">
+              <a:shade val="50000"/>
+            </a:schemeClr>
+          </a:lnRef>
+          <a:fillRef idx="1">
+            <a:schemeClr val="accent1"/>
+          </a:fillRef>
+          <a:effectRef idx="0">
+            <a:schemeClr val="accent1"/>
+          </a:effectRef>
+          <a:fontRef idx="minor">
+            <a:schemeClr val="lt1"/>
+          </a:fontRef>
+        </p:style>
+        <p:txBody>
+          <a:bodyPr rtlCol="0" anchor="ctr"/>
+          <a:lstStyle/>
+          <a:p>
+            <a:pPr algn="ctr"/>
+            <a:endParaRPr lang="en-IN"/>
+          </a:p>
+        </p:txBody>
+      </p:sp>
+      <p:sp>
+        <p:nvSpPr>
+          <p:cNvPr id="5" name="Rectangle 4">
+            <a:extLst>
+              <a:ext uri="{FF2B5EF4-FFF2-40B4-BE49-F238E27FC236}">
+                <a16:creationId xmlns:a16="http://schemas.microsoft.com/office/drawing/2014/main" id="{BDE6FFFD-DD6F-459C-AF72-A282378D5126}"/>
+              </a:ext>
+            </a:extLst>
+          </p:cNvPr>
+          <p:cNvSpPr/>
+          <p:nvPr/>
+        </p:nvSpPr>
+        <p:spPr>
+          <a:xfrm>
+            <a:off x="1673634" y="2750688"/>
+            <a:ext cx="1562100" cy="571500"/>
+          </a:xfrm>
+          <a:prstGeom prst="rect">
+            <a:avLst/>
+          </a:prstGeom>
+        </p:spPr>
+        <p:style>
+          <a:lnRef idx="2">
+            <a:schemeClr val="accent1">
+              <a:shade val="50000"/>
+            </a:schemeClr>
+          </a:lnRef>
+          <a:fillRef idx="1">
+            <a:schemeClr val="accent1"/>
+          </a:fillRef>
+          <a:effectRef idx="0">
+            <a:schemeClr val="accent1"/>
+          </a:effectRef>
+          <a:fontRef idx="minor">
+            <a:schemeClr val="lt1"/>
+          </a:fontRef>
+        </p:style>
+        <p:txBody>
+          <a:bodyPr rtlCol="0" anchor="ctr"/>
+          <a:lstStyle/>
+          <a:p>
+            <a:pPr algn="ctr"/>
+            <a:r>
+              <a:rPr lang="en-IN" dirty="0" err="1"/>
+              <a:t>EventSvc</a:t>
+            </a:r>
+            <a:endParaRPr lang="en-IN" dirty="0"/>
+          </a:p>
+        </p:txBody>
+      </p:sp>
+      <p:sp>
+        <p:nvSpPr>
+          <p:cNvPr id="6" name="Rectangle 5">
+            <a:extLst>
+              <a:ext uri="{FF2B5EF4-FFF2-40B4-BE49-F238E27FC236}">
+                <a16:creationId xmlns:a16="http://schemas.microsoft.com/office/drawing/2014/main" id="{0ADA2386-C6A1-4279-AE6D-377735FF06DC}"/>
+              </a:ext>
+            </a:extLst>
+          </p:cNvPr>
+          <p:cNvSpPr/>
+          <p:nvPr/>
+        </p:nvSpPr>
+        <p:spPr>
+          <a:xfrm>
+            <a:off x="1673634" y="4622350"/>
+            <a:ext cx="1562100" cy="571500"/>
+          </a:xfrm>
+          <a:prstGeom prst="rect">
+            <a:avLst/>
+          </a:prstGeom>
+        </p:spPr>
+        <p:style>
+          <a:lnRef idx="2">
+            <a:schemeClr val="accent1">
+              <a:shade val="50000"/>
+            </a:schemeClr>
+          </a:lnRef>
+          <a:fillRef idx="1">
+            <a:schemeClr val="accent1"/>
+          </a:fillRef>
+          <a:effectRef idx="0">
+            <a:schemeClr val="accent1"/>
+          </a:effectRef>
+          <a:fontRef idx="minor">
+            <a:schemeClr val="lt1"/>
+          </a:fontRef>
+        </p:style>
+        <p:txBody>
+          <a:bodyPr rtlCol="0" anchor="ctr"/>
+          <a:lstStyle/>
+          <a:p>
+            <a:pPr algn="ctr"/>
+            <a:r>
+              <a:rPr lang="en-IN" dirty="0" err="1"/>
+              <a:t>IdentitySvc</a:t>
+            </a:r>
+            <a:endParaRPr lang="en-IN" dirty="0"/>
+          </a:p>
+        </p:txBody>
+      </p:sp>
+      <p:sp>
+        <p:nvSpPr>
+          <p:cNvPr id="7" name="Rectangle 6">
+            <a:extLst>
+              <a:ext uri="{FF2B5EF4-FFF2-40B4-BE49-F238E27FC236}">
+                <a16:creationId xmlns:a16="http://schemas.microsoft.com/office/drawing/2014/main" id="{D42AD558-B410-48F8-BC4A-F34C958928E2}"/>
+              </a:ext>
+            </a:extLst>
+          </p:cNvPr>
+          <p:cNvSpPr/>
+          <p:nvPr/>
+        </p:nvSpPr>
+        <p:spPr>
+          <a:xfrm>
+            <a:off x="3895722" y="2209802"/>
+            <a:ext cx="1457325" cy="523875"/>
+          </a:xfrm>
+          <a:prstGeom prst="rect">
+            <a:avLst/>
+          </a:prstGeom>
+        </p:spPr>
+        <p:style>
+          <a:lnRef idx="2">
+            <a:schemeClr val="accent1">
+              <a:shade val="50000"/>
+            </a:schemeClr>
+          </a:lnRef>
+          <a:fillRef idx="1">
+            <a:schemeClr val="accent1"/>
+          </a:fillRef>
+          <a:effectRef idx="0">
+            <a:schemeClr val="accent1"/>
+          </a:effectRef>
+          <a:fontRef idx="minor">
+            <a:schemeClr val="lt1"/>
+          </a:fontRef>
+        </p:style>
+        <p:txBody>
+          <a:bodyPr rtlCol="0" anchor="ctr"/>
+          <a:lstStyle/>
+          <a:p>
+            <a:pPr algn="ctr"/>
+            <a:r>
+              <a:rPr lang="en-IN" dirty="0"/>
+              <a:t>Event Pod1</a:t>
+            </a:r>
+          </a:p>
+        </p:txBody>
+      </p:sp>
+      <p:sp>
+        <p:nvSpPr>
+          <p:cNvPr id="8" name="Rectangle 7">
+            <a:extLst>
+              <a:ext uri="{FF2B5EF4-FFF2-40B4-BE49-F238E27FC236}">
+                <a16:creationId xmlns:a16="http://schemas.microsoft.com/office/drawing/2014/main" id="{9654835A-C5CD-4607-9B68-0169F459C1B9}"/>
+              </a:ext>
+            </a:extLst>
+          </p:cNvPr>
+          <p:cNvSpPr/>
+          <p:nvPr/>
+        </p:nvSpPr>
+        <p:spPr>
+          <a:xfrm>
+            <a:off x="3895721" y="3100389"/>
+            <a:ext cx="1457325" cy="523875"/>
+          </a:xfrm>
+          <a:prstGeom prst="rect">
+            <a:avLst/>
+          </a:prstGeom>
+        </p:spPr>
+        <p:style>
+          <a:lnRef idx="2">
+            <a:schemeClr val="accent1">
+              <a:shade val="50000"/>
+            </a:schemeClr>
+          </a:lnRef>
+          <a:fillRef idx="1">
+            <a:schemeClr val="accent1"/>
+          </a:fillRef>
+          <a:effectRef idx="0">
+            <a:schemeClr val="accent1"/>
+          </a:effectRef>
+          <a:fontRef idx="minor">
+            <a:schemeClr val="lt1"/>
+          </a:fontRef>
+        </p:style>
+        <p:txBody>
+          <a:bodyPr rtlCol="0" anchor="ctr"/>
+          <a:lstStyle/>
+          <a:p>
+            <a:pPr algn="ctr"/>
+            <a:r>
+              <a:rPr lang="en-IN" dirty="0"/>
+              <a:t>Event Pod 2</a:t>
+            </a:r>
+          </a:p>
+        </p:txBody>
+      </p:sp>
+      <p:cxnSp>
+        <p:nvCxnSpPr>
+          <p:cNvPr id="11" name="Straight Arrow Connector 10">
+            <a:extLst>
+              <a:ext uri="{FF2B5EF4-FFF2-40B4-BE49-F238E27FC236}">
+                <a16:creationId xmlns:a16="http://schemas.microsoft.com/office/drawing/2014/main" id="{9E44E9A0-5F80-406A-BFE5-C4E046196A87}"/>
+              </a:ext>
+            </a:extLst>
+          </p:cNvPr>
+          <p:cNvCxnSpPr>
+            <a:stCxn id="5" idx="3"/>
+            <a:endCxn id="7" idx="1"/>
+          </p:cNvCxnSpPr>
+          <p:nvPr/>
+        </p:nvCxnSpPr>
+        <p:spPr>
+          <a:xfrm flipV="1">
+            <a:off x="3235734" y="2471740"/>
+            <a:ext cx="659988" cy="564698"/>
+          </a:xfrm>
+          <a:prstGeom prst="straightConnector1">
+            <a:avLst/>
+          </a:prstGeom>
+          <a:ln>
+            <a:tailEnd type="triangle"/>
+          </a:ln>
+        </p:spPr>
+        <p:style>
+          <a:lnRef idx="1">
+            <a:schemeClr val="accent1"/>
+          </a:lnRef>
+          <a:fillRef idx="0">
+            <a:schemeClr val="accent1"/>
+          </a:fillRef>
+          <a:effectRef idx="0">
+            <a:schemeClr val="accent1"/>
+          </a:effectRef>
+          <a:fontRef idx="minor">
+            <a:schemeClr val="tx1"/>
+          </a:fontRef>
+        </p:style>
+      </p:cxnSp>
+      <p:cxnSp>
+        <p:nvCxnSpPr>
+          <p:cNvPr id="13" name="Straight Arrow Connector 12">
+            <a:extLst>
+              <a:ext uri="{FF2B5EF4-FFF2-40B4-BE49-F238E27FC236}">
+                <a16:creationId xmlns:a16="http://schemas.microsoft.com/office/drawing/2014/main" id="{B46C7C06-CB68-450E-9026-2B2681840D0B}"/>
+              </a:ext>
+            </a:extLst>
+          </p:cNvPr>
+          <p:cNvCxnSpPr>
+            <a:stCxn id="5" idx="3"/>
+            <a:endCxn id="8" idx="1"/>
+          </p:cNvCxnSpPr>
+          <p:nvPr/>
+        </p:nvCxnSpPr>
+        <p:spPr>
+          <a:xfrm>
+            <a:off x="3235734" y="3036438"/>
+            <a:ext cx="659987" cy="325889"/>
+          </a:xfrm>
+          <a:prstGeom prst="straightConnector1">
+            <a:avLst/>
+          </a:prstGeom>
+          <a:ln>
+            <a:tailEnd type="triangle"/>
+          </a:ln>
+        </p:spPr>
+        <p:style>
+          <a:lnRef idx="1">
+            <a:schemeClr val="accent1"/>
+          </a:lnRef>
+          <a:fillRef idx="0">
+            <a:schemeClr val="accent1"/>
+          </a:fillRef>
+          <a:effectRef idx="0">
+            <a:schemeClr val="accent1"/>
+          </a:effectRef>
+          <a:fontRef idx="minor">
+            <a:schemeClr val="tx1"/>
+          </a:fontRef>
+        </p:style>
+      </p:cxnSp>
+      <p:sp>
+        <p:nvSpPr>
+          <p:cNvPr id="16" name="Rectangle 15">
+            <a:extLst>
+              <a:ext uri="{FF2B5EF4-FFF2-40B4-BE49-F238E27FC236}">
+                <a16:creationId xmlns:a16="http://schemas.microsoft.com/office/drawing/2014/main" id="{C4CF4983-131E-4AAE-8668-5F08767E5233}"/>
+              </a:ext>
+            </a:extLst>
+          </p:cNvPr>
+          <p:cNvSpPr/>
+          <p:nvPr/>
+        </p:nvSpPr>
+        <p:spPr>
+          <a:xfrm>
+            <a:off x="3895721" y="4162426"/>
+            <a:ext cx="1838327" cy="523875"/>
+          </a:xfrm>
+          <a:prstGeom prst="rect">
+            <a:avLst/>
+          </a:prstGeom>
+        </p:spPr>
+        <p:style>
+          <a:lnRef idx="2">
+            <a:schemeClr val="accent1">
+              <a:shade val="50000"/>
+            </a:schemeClr>
+          </a:lnRef>
+          <a:fillRef idx="1">
+            <a:schemeClr val="accent1"/>
+          </a:fillRef>
+          <a:effectRef idx="0">
+            <a:schemeClr val="accent1"/>
+          </a:effectRef>
+          <a:fontRef idx="minor">
+            <a:schemeClr val="lt1"/>
+          </a:fontRef>
+        </p:style>
+        <p:txBody>
+          <a:bodyPr rtlCol="0" anchor="ctr"/>
+          <a:lstStyle/>
+          <a:p>
+            <a:pPr algn="ctr"/>
+            <a:r>
+              <a:rPr lang="en-IN" dirty="0"/>
+              <a:t>Identity Pod 1</a:t>
+            </a:r>
+          </a:p>
+        </p:txBody>
+      </p:sp>
+      <p:sp>
+        <p:nvSpPr>
+          <p:cNvPr id="17" name="Rectangle 16">
+            <a:extLst>
+              <a:ext uri="{FF2B5EF4-FFF2-40B4-BE49-F238E27FC236}">
+                <a16:creationId xmlns:a16="http://schemas.microsoft.com/office/drawing/2014/main" id="{E325FB93-2576-4496-8E0A-EAD1FC4DE2AA}"/>
+              </a:ext>
+            </a:extLst>
+          </p:cNvPr>
+          <p:cNvSpPr/>
+          <p:nvPr/>
+        </p:nvSpPr>
+        <p:spPr>
+          <a:xfrm>
+            <a:off x="3895722" y="5224463"/>
+            <a:ext cx="1838327" cy="523875"/>
+          </a:xfrm>
+          <a:prstGeom prst="rect">
+            <a:avLst/>
+          </a:prstGeom>
+        </p:spPr>
+        <p:style>
+          <a:lnRef idx="2">
+            <a:schemeClr val="accent1">
+              <a:shade val="50000"/>
+            </a:schemeClr>
+          </a:lnRef>
+          <a:fillRef idx="1">
+            <a:schemeClr val="accent1"/>
+          </a:fillRef>
+          <a:effectRef idx="0">
+            <a:schemeClr val="accent1"/>
+          </a:effectRef>
+          <a:fontRef idx="minor">
+            <a:schemeClr val="lt1"/>
+          </a:fontRef>
+        </p:style>
+        <p:txBody>
+          <a:bodyPr rtlCol="0" anchor="ctr"/>
+          <a:lstStyle/>
+          <a:p>
+            <a:pPr algn="ctr"/>
+            <a:r>
+              <a:rPr lang="en-IN" dirty="0"/>
+              <a:t>Identity Pod 2</a:t>
+            </a:r>
+          </a:p>
+        </p:txBody>
+      </p:sp>
+      <p:cxnSp>
+        <p:nvCxnSpPr>
+          <p:cNvPr id="19" name="Straight Arrow Connector 18">
+            <a:extLst>
+              <a:ext uri="{FF2B5EF4-FFF2-40B4-BE49-F238E27FC236}">
+                <a16:creationId xmlns:a16="http://schemas.microsoft.com/office/drawing/2014/main" id="{E1D1EC51-6AE6-459F-9D05-914743977E7D}"/>
+              </a:ext>
+            </a:extLst>
+          </p:cNvPr>
+          <p:cNvCxnSpPr>
+            <a:stCxn id="6" idx="3"/>
+            <a:endCxn id="16" idx="1"/>
+          </p:cNvCxnSpPr>
+          <p:nvPr/>
+        </p:nvCxnSpPr>
+        <p:spPr>
+          <a:xfrm flipV="1">
+            <a:off x="3235734" y="4424364"/>
+            <a:ext cx="659987" cy="483736"/>
+          </a:xfrm>
+          <a:prstGeom prst="straightConnector1">
+            <a:avLst/>
+          </a:prstGeom>
+          <a:ln>
+            <a:tailEnd type="triangle"/>
+          </a:ln>
+        </p:spPr>
+        <p:style>
+          <a:lnRef idx="1">
+            <a:schemeClr val="accent1"/>
+          </a:lnRef>
+          <a:fillRef idx="0">
+            <a:schemeClr val="accent1"/>
+          </a:fillRef>
+          <a:effectRef idx="0">
+            <a:schemeClr val="accent1"/>
+          </a:effectRef>
+          <a:fontRef idx="minor">
+            <a:schemeClr val="tx1"/>
+          </a:fontRef>
+        </p:style>
+      </p:cxnSp>
+      <p:cxnSp>
+        <p:nvCxnSpPr>
+          <p:cNvPr id="21" name="Straight Arrow Connector 20">
+            <a:extLst>
+              <a:ext uri="{FF2B5EF4-FFF2-40B4-BE49-F238E27FC236}">
+                <a16:creationId xmlns:a16="http://schemas.microsoft.com/office/drawing/2014/main" id="{C1928999-EB66-4E4E-AA6B-A8AC8B208580}"/>
+              </a:ext>
+            </a:extLst>
+          </p:cNvPr>
+          <p:cNvCxnSpPr>
+            <a:stCxn id="6" idx="3"/>
+            <a:endCxn id="17" idx="1"/>
+          </p:cNvCxnSpPr>
+          <p:nvPr/>
+        </p:nvCxnSpPr>
+        <p:spPr>
+          <a:xfrm>
+            <a:off x="3235734" y="4908100"/>
+            <a:ext cx="659988" cy="578301"/>
+          </a:xfrm>
+          <a:prstGeom prst="straightConnector1">
+            <a:avLst/>
+          </a:prstGeom>
+          <a:ln>
+            <a:tailEnd type="triangle"/>
+          </a:ln>
+        </p:spPr>
+        <p:style>
+          <a:lnRef idx="1">
+            <a:schemeClr val="accent1"/>
+          </a:lnRef>
+          <a:fillRef idx="0">
+            <a:schemeClr val="accent1"/>
+          </a:fillRef>
+          <a:effectRef idx="0">
+            <a:schemeClr val="accent1"/>
+          </a:effectRef>
+          <a:fontRef idx="minor">
+            <a:schemeClr val="tx1"/>
+          </a:fontRef>
+        </p:style>
+      </p:cxnSp>
+      <p:cxnSp>
+        <p:nvCxnSpPr>
+          <p:cNvPr id="23" name="Straight Arrow Connector 22">
+            <a:extLst>
+              <a:ext uri="{FF2B5EF4-FFF2-40B4-BE49-F238E27FC236}">
+                <a16:creationId xmlns:a16="http://schemas.microsoft.com/office/drawing/2014/main" id="{067F7AA0-7D22-4539-95CA-BF143ED21BDC}"/>
+              </a:ext>
+            </a:extLst>
+          </p:cNvPr>
+          <p:cNvCxnSpPr>
+            <a:cxnSpLocks/>
+            <a:endCxn id="5" idx="1"/>
+          </p:cNvCxnSpPr>
+          <p:nvPr/>
+        </p:nvCxnSpPr>
+        <p:spPr>
+          <a:xfrm>
+            <a:off x="888590" y="3036438"/>
+            <a:ext cx="785044" cy="0"/>
+          </a:xfrm>
+          <a:prstGeom prst="straightConnector1">
+            <a:avLst/>
+          </a:prstGeom>
+          <a:ln>
+            <a:tailEnd type="triangle"/>
+          </a:ln>
+        </p:spPr>
+        <p:style>
+          <a:lnRef idx="1">
+            <a:schemeClr val="accent1"/>
+          </a:lnRef>
+          <a:fillRef idx="0">
+            <a:schemeClr val="accent1"/>
+          </a:fillRef>
+          <a:effectRef idx="0">
+            <a:schemeClr val="accent1"/>
+          </a:effectRef>
+          <a:fontRef idx="minor">
+            <a:schemeClr val="tx1"/>
+          </a:fontRef>
+        </p:style>
+      </p:cxnSp>
+      <p:cxnSp>
+        <p:nvCxnSpPr>
+          <p:cNvPr id="25" name="Straight Arrow Connector 24">
+            <a:extLst>
+              <a:ext uri="{FF2B5EF4-FFF2-40B4-BE49-F238E27FC236}">
+                <a16:creationId xmlns:a16="http://schemas.microsoft.com/office/drawing/2014/main" id="{67766AC7-2090-46E3-A6AA-1079BA7D899D}"/>
+              </a:ext>
+            </a:extLst>
+          </p:cNvPr>
+          <p:cNvCxnSpPr>
+            <a:cxnSpLocks/>
+            <a:endCxn id="6" idx="1"/>
+          </p:cNvCxnSpPr>
+          <p:nvPr/>
+        </p:nvCxnSpPr>
+        <p:spPr>
+          <a:xfrm>
+            <a:off x="711609" y="4908100"/>
+            <a:ext cx="962025" cy="0"/>
+          </a:xfrm>
+          <a:prstGeom prst="straightConnector1">
+            <a:avLst/>
+          </a:prstGeom>
+          <a:ln>
+            <a:tailEnd type="triangle"/>
+          </a:ln>
+        </p:spPr>
+        <p:style>
+          <a:lnRef idx="1">
+            <a:schemeClr val="accent1"/>
+          </a:lnRef>
+          <a:fillRef idx="0">
+            <a:schemeClr val="accent1"/>
+          </a:fillRef>
+          <a:effectRef idx="0">
+            <a:schemeClr val="accent1"/>
+          </a:effectRef>
+          <a:fontRef idx="minor">
+            <a:schemeClr val="tx1"/>
+          </a:fontRef>
+        </p:style>
+      </p:cxnSp>
+      <p:sp>
+        <p:nvSpPr>
+          <p:cNvPr id="38" name="Rectangle 37">
+            <a:extLst>
+              <a:ext uri="{FF2B5EF4-FFF2-40B4-BE49-F238E27FC236}">
+                <a16:creationId xmlns:a16="http://schemas.microsoft.com/office/drawing/2014/main" id="{93C1976D-BEF4-4B63-B375-D505A32DEA51}"/>
+              </a:ext>
+            </a:extLst>
+          </p:cNvPr>
+          <p:cNvSpPr/>
+          <p:nvPr/>
+        </p:nvSpPr>
+        <p:spPr>
+          <a:xfrm>
+            <a:off x="7323187" y="3362326"/>
+            <a:ext cx="1457325" cy="523875"/>
+          </a:xfrm>
+          <a:prstGeom prst="rect">
+            <a:avLst/>
+          </a:prstGeom>
+        </p:spPr>
+        <p:style>
+          <a:lnRef idx="2">
+            <a:schemeClr val="accent1">
+              <a:shade val="50000"/>
+            </a:schemeClr>
+          </a:lnRef>
+          <a:fillRef idx="1">
+            <a:schemeClr val="accent1"/>
+          </a:fillRef>
+          <a:effectRef idx="0">
+            <a:schemeClr val="accent1"/>
+          </a:effectRef>
+          <a:fontRef idx="minor">
+            <a:schemeClr val="lt1"/>
+          </a:fontRef>
+        </p:style>
+        <p:txBody>
+          <a:bodyPr rtlCol="0" anchor="ctr"/>
+          <a:lstStyle/>
+          <a:p>
+            <a:pPr algn="ctr"/>
+            <a:r>
+              <a:rPr lang="en-IN" dirty="0" err="1"/>
+              <a:t>mssqlsvc</a:t>
+            </a:r>
+            <a:endParaRPr lang="en-IN" dirty="0"/>
+          </a:p>
+        </p:txBody>
+      </p:sp>
+      <p:sp>
+        <p:nvSpPr>
+          <p:cNvPr id="39" name="Rectangle 38">
+            <a:extLst>
+              <a:ext uri="{FF2B5EF4-FFF2-40B4-BE49-F238E27FC236}">
+                <a16:creationId xmlns:a16="http://schemas.microsoft.com/office/drawing/2014/main" id="{E9966A05-662E-4702-971C-EB127039EBF6}"/>
+              </a:ext>
+            </a:extLst>
+          </p:cNvPr>
+          <p:cNvSpPr/>
+          <p:nvPr/>
+        </p:nvSpPr>
+        <p:spPr>
+          <a:xfrm>
+            <a:off x="9645445" y="3362327"/>
+            <a:ext cx="1946787" cy="523875"/>
+          </a:xfrm>
+          <a:prstGeom prst="rect">
+            <a:avLst/>
+          </a:prstGeom>
+        </p:spPr>
+        <p:style>
+          <a:lnRef idx="2">
+            <a:schemeClr val="accent1">
+              <a:shade val="50000"/>
+            </a:schemeClr>
+          </a:lnRef>
+          <a:fillRef idx="1">
+            <a:schemeClr val="accent1"/>
+          </a:fillRef>
+          <a:effectRef idx="0">
+            <a:schemeClr val="accent1"/>
+          </a:effectRef>
+          <a:fontRef idx="minor">
+            <a:schemeClr val="lt1"/>
+          </a:fontRef>
+        </p:style>
+        <p:txBody>
+          <a:bodyPr rtlCol="0" anchor="ctr"/>
+          <a:lstStyle/>
+          <a:p>
+            <a:pPr algn="ctr"/>
+            <a:r>
+              <a:rPr lang="en-IN" dirty="0" err="1"/>
+              <a:t>Sql</a:t>
+            </a:r>
+            <a:r>
+              <a:rPr lang="en-IN" dirty="0"/>
+              <a:t> Server Pod</a:t>
+            </a:r>
+          </a:p>
+        </p:txBody>
+      </p:sp>
+      <p:cxnSp>
+        <p:nvCxnSpPr>
+          <p:cNvPr id="41" name="Straight Arrow Connector 40">
+            <a:extLst>
+              <a:ext uri="{FF2B5EF4-FFF2-40B4-BE49-F238E27FC236}">
+                <a16:creationId xmlns:a16="http://schemas.microsoft.com/office/drawing/2014/main" id="{DA7CB0E7-2131-4643-9428-DF0BE8767B1B}"/>
+              </a:ext>
+            </a:extLst>
+          </p:cNvPr>
+          <p:cNvCxnSpPr>
+            <a:cxnSpLocks/>
+            <a:stCxn id="38" idx="3"/>
+            <a:endCxn id="39" idx="1"/>
+          </p:cNvCxnSpPr>
+          <p:nvPr/>
+        </p:nvCxnSpPr>
+        <p:spPr>
+          <a:xfrm>
+            <a:off x="8780512" y="3624264"/>
+            <a:ext cx="864933" cy="1"/>
+          </a:xfrm>
+          <a:prstGeom prst="straightConnector1">
+            <a:avLst/>
+          </a:prstGeom>
+          <a:ln>
+            <a:tailEnd type="triangle"/>
+          </a:ln>
+        </p:spPr>
+        <p:style>
+          <a:lnRef idx="1">
+            <a:schemeClr val="accent1"/>
+          </a:lnRef>
+          <a:fillRef idx="0">
+            <a:schemeClr val="accent1"/>
+          </a:fillRef>
+          <a:effectRef idx="0">
+            <a:schemeClr val="accent1"/>
+          </a:effectRef>
+          <a:fontRef idx="minor">
+            <a:schemeClr val="tx1"/>
+          </a:fontRef>
+        </p:style>
+      </p:cxnSp>
+      <p:cxnSp>
+        <p:nvCxnSpPr>
+          <p:cNvPr id="44" name="Straight Arrow Connector 43">
+            <a:extLst>
+              <a:ext uri="{FF2B5EF4-FFF2-40B4-BE49-F238E27FC236}">
+                <a16:creationId xmlns:a16="http://schemas.microsoft.com/office/drawing/2014/main" id="{95348623-4742-4592-B2F8-B5CB03D2FA54}"/>
+              </a:ext>
+            </a:extLst>
+          </p:cNvPr>
+          <p:cNvCxnSpPr>
+            <a:stCxn id="7" idx="3"/>
+            <a:endCxn id="38" idx="1"/>
+          </p:cNvCxnSpPr>
+          <p:nvPr/>
+        </p:nvCxnSpPr>
+        <p:spPr>
+          <a:xfrm>
+            <a:off x="5353047" y="2471740"/>
+            <a:ext cx="1970140" cy="1152524"/>
+          </a:xfrm>
+          <a:prstGeom prst="straightConnector1">
+            <a:avLst/>
+          </a:prstGeom>
+          <a:ln>
+            <a:tailEnd type="triangle"/>
+          </a:ln>
+        </p:spPr>
+        <p:style>
+          <a:lnRef idx="1">
+            <a:schemeClr val="accent1"/>
+          </a:lnRef>
+          <a:fillRef idx="0">
+            <a:schemeClr val="accent1"/>
+          </a:fillRef>
+          <a:effectRef idx="0">
+            <a:schemeClr val="accent1"/>
+          </a:effectRef>
+          <a:fontRef idx="minor">
+            <a:schemeClr val="tx1"/>
+          </a:fontRef>
+        </p:style>
+      </p:cxnSp>
+      <p:cxnSp>
+        <p:nvCxnSpPr>
+          <p:cNvPr id="46" name="Straight Arrow Connector 45">
+            <a:extLst>
+              <a:ext uri="{FF2B5EF4-FFF2-40B4-BE49-F238E27FC236}">
+                <a16:creationId xmlns:a16="http://schemas.microsoft.com/office/drawing/2014/main" id="{245E22EA-361D-45E8-9D7A-3E2C48B0651A}"/>
+              </a:ext>
+            </a:extLst>
+          </p:cNvPr>
+          <p:cNvCxnSpPr>
+            <a:stCxn id="8" idx="3"/>
+            <a:endCxn id="38" idx="1"/>
+          </p:cNvCxnSpPr>
+          <p:nvPr/>
+        </p:nvCxnSpPr>
+        <p:spPr>
+          <a:xfrm>
+            <a:off x="5353046" y="3362327"/>
+            <a:ext cx="1970141" cy="261937"/>
+          </a:xfrm>
+          <a:prstGeom prst="straightConnector1">
+            <a:avLst/>
+          </a:prstGeom>
+          <a:ln>
+            <a:tailEnd type="triangle"/>
+          </a:ln>
+        </p:spPr>
+        <p:style>
+          <a:lnRef idx="1">
+            <a:schemeClr val="accent1"/>
+          </a:lnRef>
+          <a:fillRef idx="0">
+            <a:schemeClr val="accent1"/>
+          </a:fillRef>
+          <a:effectRef idx="0">
+            <a:schemeClr val="accent1"/>
+          </a:effectRef>
+          <a:fontRef idx="minor">
+            <a:schemeClr val="tx1"/>
+          </a:fontRef>
+        </p:style>
+      </p:cxnSp>
+      <p:cxnSp>
+        <p:nvCxnSpPr>
+          <p:cNvPr id="48" name="Straight Arrow Connector 47">
+            <a:extLst>
+              <a:ext uri="{FF2B5EF4-FFF2-40B4-BE49-F238E27FC236}">
+                <a16:creationId xmlns:a16="http://schemas.microsoft.com/office/drawing/2014/main" id="{EF2E36F7-6FF6-4172-946D-39E4BBF6AF8C}"/>
+              </a:ext>
+            </a:extLst>
+          </p:cNvPr>
+          <p:cNvCxnSpPr>
+            <a:stCxn id="16" idx="3"/>
+            <a:endCxn id="38" idx="1"/>
+          </p:cNvCxnSpPr>
+          <p:nvPr/>
+        </p:nvCxnSpPr>
+        <p:spPr>
+          <a:xfrm flipV="1">
+            <a:off x="5734048" y="3624264"/>
+            <a:ext cx="1589139" cy="800100"/>
+          </a:xfrm>
+          <a:prstGeom prst="straightConnector1">
+            <a:avLst/>
+          </a:prstGeom>
+          <a:ln>
+            <a:tailEnd type="triangle"/>
+          </a:ln>
+        </p:spPr>
+        <p:style>
+          <a:lnRef idx="1">
+            <a:schemeClr val="accent1"/>
+          </a:lnRef>
+          <a:fillRef idx="0">
+            <a:schemeClr val="accent1"/>
+          </a:fillRef>
+          <a:effectRef idx="0">
+            <a:schemeClr val="accent1"/>
+          </a:effectRef>
+          <a:fontRef idx="minor">
+            <a:schemeClr val="tx1"/>
+          </a:fontRef>
+        </p:style>
+      </p:cxnSp>
+      <p:cxnSp>
+        <p:nvCxnSpPr>
+          <p:cNvPr id="50" name="Straight Arrow Connector 49">
+            <a:extLst>
+              <a:ext uri="{FF2B5EF4-FFF2-40B4-BE49-F238E27FC236}">
+                <a16:creationId xmlns:a16="http://schemas.microsoft.com/office/drawing/2014/main" id="{009D3112-04EC-4F51-BE5D-362356893693}"/>
+              </a:ext>
+            </a:extLst>
+          </p:cNvPr>
+          <p:cNvCxnSpPr>
+            <a:stCxn id="17" idx="3"/>
+            <a:endCxn id="38" idx="1"/>
+          </p:cNvCxnSpPr>
+          <p:nvPr/>
+        </p:nvCxnSpPr>
+        <p:spPr>
+          <a:xfrm flipV="1">
+            <a:off x="5734049" y="3624264"/>
+            <a:ext cx="1589138" cy="1862137"/>
+          </a:xfrm>
+          <a:prstGeom prst="straightConnector1">
+            <a:avLst/>
+          </a:prstGeom>
+          <a:ln>
+            <a:tailEnd type="triangle"/>
+          </a:ln>
+        </p:spPr>
+        <p:style>
+          <a:lnRef idx="1">
+            <a:schemeClr val="accent1"/>
+          </a:lnRef>
+          <a:fillRef idx="0">
+            <a:schemeClr val="accent1"/>
+          </a:fillRef>
+          <a:effectRef idx="0">
+            <a:schemeClr val="accent1"/>
+          </a:effectRef>
+          <a:fontRef idx="minor">
+            <a:schemeClr val="tx1"/>
+          </a:fontRef>
+        </p:style>
+      </p:cxnSp>
+      <p:sp>
+        <p:nvSpPr>
+          <p:cNvPr id="52" name="Cylinder 51">
+            <a:extLst>
+              <a:ext uri="{FF2B5EF4-FFF2-40B4-BE49-F238E27FC236}">
+                <a16:creationId xmlns:a16="http://schemas.microsoft.com/office/drawing/2014/main" id="{EEAF84E1-52B2-4663-890D-EAE602FDC21B}"/>
+              </a:ext>
+            </a:extLst>
+          </p:cNvPr>
+          <p:cNvSpPr/>
+          <p:nvPr/>
+        </p:nvSpPr>
+        <p:spPr>
+          <a:xfrm>
+            <a:off x="10756491" y="4296544"/>
+            <a:ext cx="1111045" cy="1189856"/>
+          </a:xfrm>
+          <a:prstGeom prst="can">
+            <a:avLst/>
+          </a:prstGeom>
+        </p:spPr>
+        <p:style>
+          <a:lnRef idx="2">
+            <a:schemeClr val="accent1">
+              <a:shade val="50000"/>
+            </a:schemeClr>
+          </a:lnRef>
+          <a:fillRef idx="1">
+            <a:schemeClr val="accent1"/>
+          </a:fillRef>
+          <a:effectRef idx="0">
+            <a:schemeClr val="accent1"/>
+          </a:effectRef>
+          <a:fontRef idx="minor">
+            <a:schemeClr val="lt1"/>
+          </a:fontRef>
+        </p:style>
+        <p:txBody>
+          <a:bodyPr rtlCol="0" anchor="ctr"/>
+          <a:lstStyle/>
+          <a:p>
+            <a:pPr algn="ctr"/>
+            <a:r>
+              <a:rPr lang="en-IN" dirty="0"/>
+              <a:t>PVC</a:t>
+            </a:r>
+          </a:p>
+          <a:p>
+            <a:pPr algn="ctr"/>
+            <a:r>
+              <a:rPr lang="en-IN" dirty="0"/>
+              <a:t>Azure Disk</a:t>
+            </a:r>
+          </a:p>
+        </p:txBody>
+      </p:sp>
+      <p:cxnSp>
+        <p:nvCxnSpPr>
+          <p:cNvPr id="54" name="Straight Arrow Connector 53">
+            <a:extLst>
+              <a:ext uri="{FF2B5EF4-FFF2-40B4-BE49-F238E27FC236}">
+                <a16:creationId xmlns:a16="http://schemas.microsoft.com/office/drawing/2014/main" id="{B0688E1A-E695-43C9-955C-1F9B009DD255}"/>
+              </a:ext>
+            </a:extLst>
+          </p:cNvPr>
+          <p:cNvCxnSpPr>
+            <a:stCxn id="39" idx="2"/>
+            <a:endCxn id="52" idx="1"/>
+          </p:cNvCxnSpPr>
+          <p:nvPr/>
+        </p:nvCxnSpPr>
+        <p:spPr>
+          <a:xfrm>
+            <a:off x="10618839" y="3886202"/>
+            <a:ext cx="693175" cy="410342"/>
+          </a:xfrm>
+          <a:prstGeom prst="straightConnector1">
+            <a:avLst/>
+          </a:prstGeom>
+          <a:ln>
+            <a:tailEnd type="triangle"/>
+          </a:ln>
+        </p:spPr>
+        <p:style>
+          <a:lnRef idx="1">
+            <a:schemeClr val="accent1"/>
+          </a:lnRef>
+          <a:fillRef idx="0">
+            <a:schemeClr val="accent1"/>
+          </a:fillRef>
+          <a:effectRef idx="0">
+            <a:schemeClr val="accent1"/>
+          </a:effectRef>
+          <a:fontRef idx="minor">
+            <a:schemeClr val="tx1"/>
+          </a:fontRef>
+        </p:style>
+      </p:cxnSp>
+      <p:sp>
+        <p:nvSpPr>
+          <p:cNvPr id="56" name="Oval 55">
+            <a:extLst>
+              <a:ext uri="{FF2B5EF4-FFF2-40B4-BE49-F238E27FC236}">
+                <a16:creationId xmlns:a16="http://schemas.microsoft.com/office/drawing/2014/main" id="{176DDCBF-EC4A-4095-BFF3-3980616CF534}"/>
+              </a:ext>
+            </a:extLst>
+          </p:cNvPr>
+          <p:cNvSpPr/>
+          <p:nvPr/>
+        </p:nvSpPr>
+        <p:spPr>
+          <a:xfrm>
+            <a:off x="9261988" y="4424363"/>
+            <a:ext cx="1256378" cy="1062026"/>
+          </a:xfrm>
+          <a:prstGeom prst="ellipse">
+            <a:avLst/>
+          </a:prstGeom>
+        </p:spPr>
+        <p:style>
+          <a:lnRef idx="2">
+            <a:schemeClr val="accent1">
+              <a:shade val="50000"/>
+            </a:schemeClr>
+          </a:lnRef>
+          <a:fillRef idx="1">
+            <a:schemeClr val="accent1"/>
+          </a:fillRef>
+          <a:effectRef idx="0">
+            <a:schemeClr val="accent1"/>
+          </a:effectRef>
+          <a:fontRef idx="minor">
+            <a:schemeClr val="lt1"/>
+          </a:fontRef>
+        </p:style>
+        <p:txBody>
+          <a:bodyPr rtlCol="0" anchor="ctr"/>
+          <a:lstStyle/>
+          <a:p>
+            <a:pPr algn="ctr"/>
+            <a:r>
+              <a:rPr lang="en-IN" dirty="0"/>
+              <a:t>K8S </a:t>
+            </a:r>
+          </a:p>
+          <a:p>
+            <a:pPr algn="ctr"/>
+            <a:r>
+              <a:rPr lang="en-IN" dirty="0"/>
+              <a:t>Secret</a:t>
+            </a:r>
+          </a:p>
+        </p:txBody>
+      </p:sp>
+      <p:cxnSp>
+        <p:nvCxnSpPr>
+          <p:cNvPr id="58" name="Straight Arrow Connector 57">
+            <a:extLst>
+              <a:ext uri="{FF2B5EF4-FFF2-40B4-BE49-F238E27FC236}">
+                <a16:creationId xmlns:a16="http://schemas.microsoft.com/office/drawing/2014/main" id="{E1483825-7B75-46FE-9119-63226606DD80}"/>
+              </a:ext>
+            </a:extLst>
+          </p:cNvPr>
+          <p:cNvCxnSpPr>
+            <a:stCxn id="39" idx="2"/>
+            <a:endCxn id="56" idx="0"/>
+          </p:cNvCxnSpPr>
+          <p:nvPr/>
+        </p:nvCxnSpPr>
+        <p:spPr>
+          <a:xfrm flipH="1">
+            <a:off x="9890177" y="3886202"/>
+            <a:ext cx="728662" cy="538161"/>
+          </a:xfrm>
+          <a:prstGeom prst="straightConnector1">
+            <a:avLst/>
+          </a:prstGeom>
+          <a:ln>
+            <a:tailEnd type="triangle"/>
+          </a:ln>
+        </p:spPr>
+        <p:style>
+          <a:lnRef idx="1">
+            <a:schemeClr val="accent1"/>
+          </a:lnRef>
+          <a:fillRef idx="0">
+            <a:schemeClr val="accent1"/>
+          </a:fillRef>
+          <a:effectRef idx="0">
+            <a:schemeClr val="accent1"/>
+          </a:effectRef>
+          <a:fontRef idx="minor">
+            <a:schemeClr val="tx1"/>
+          </a:fontRef>
+        </p:style>
+      </p:cxnSp>
+      <p:sp>
+        <p:nvSpPr>
+          <p:cNvPr id="85" name="TextBox 84">
+            <a:extLst>
+              <a:ext uri="{FF2B5EF4-FFF2-40B4-BE49-F238E27FC236}">
+                <a16:creationId xmlns:a16="http://schemas.microsoft.com/office/drawing/2014/main" id="{4D74D94B-2915-43B7-B284-3F1C2DEAB187}"/>
+              </a:ext>
+            </a:extLst>
+          </p:cNvPr>
+          <p:cNvSpPr txBox="1"/>
+          <p:nvPr/>
+        </p:nvSpPr>
+        <p:spPr>
+          <a:xfrm>
+            <a:off x="1673634" y="481781"/>
+            <a:ext cx="9721953" cy="461665"/>
+          </a:xfrm>
+          <a:prstGeom prst="rect">
+            <a:avLst/>
+          </a:prstGeom>
+          <a:noFill/>
+        </p:spPr>
+        <p:txBody>
+          <a:bodyPr wrap="square" rtlCol="0">
+            <a:spAutoFit/>
+          </a:bodyPr>
+          <a:lstStyle/>
+          <a:p>
+            <a:r>
+              <a:rPr lang="en-IN" sz="2400" b="1" dirty="0"/>
+              <a:t>K8S deployment architecture of Event Management Microservice</a:t>
+            </a:r>
+          </a:p>
+        </p:txBody>
+      </p:sp>
+      <p:sp>
+        <p:nvSpPr>
+          <p:cNvPr id="86" name="TextBox 85">
+            <a:extLst>
+              <a:ext uri="{FF2B5EF4-FFF2-40B4-BE49-F238E27FC236}">
+                <a16:creationId xmlns:a16="http://schemas.microsoft.com/office/drawing/2014/main" id="{B9CBB0D8-1270-4215-89FB-802232D55036}"/>
+              </a:ext>
+            </a:extLst>
+          </p:cNvPr>
+          <p:cNvSpPr txBox="1"/>
+          <p:nvPr/>
+        </p:nvSpPr>
+        <p:spPr>
+          <a:xfrm>
+            <a:off x="9890177" y="1629885"/>
+            <a:ext cx="1977359" cy="369332"/>
+          </a:xfrm>
+          <a:prstGeom prst="rect">
+            <a:avLst/>
+          </a:prstGeom>
+          <a:noFill/>
+        </p:spPr>
+        <p:txBody>
+          <a:bodyPr wrap="square" rtlCol="0">
+            <a:spAutoFit/>
+          </a:bodyPr>
+          <a:lstStyle/>
+          <a:p>
+            <a:r>
+              <a:rPr lang="en-IN" dirty="0"/>
+              <a:t>Kubernetes Cluster</a:t>
+            </a:r>
+          </a:p>
+        </p:txBody>
+      </p:sp>
+    </p:spTree>
+    <p:extLst>
+      <p:ext uri="{BB962C8B-B14F-4D97-AF65-F5344CB8AC3E}">
+        <p14:creationId xmlns:p14="http://schemas.microsoft.com/office/powerpoint/2010/main" val="2210181415"/>
+      </p:ext>
+    </p:extLst>
+  </p:cSld>
+  <p:clrMapOvr>
+    <a:masterClrMapping/>
+  </p:clrMapOvr>
+</p:sld>
+</file>
+
 <file path=ppt/slides/slide2.xml><?xml version="1.0" encoding="utf-8"?>
 <p:sld xmlns:a="http://schemas.openxmlformats.org/drawingml/2006/main" xmlns:r="http://schemas.openxmlformats.org/officeDocument/2006/relationships" xmlns:p="http://schemas.openxmlformats.org/presentationml/2006/main">
   <p:cSld>
@@ -8563,6 +10689,1151 @@
     <p:extLst>
       <p:ext uri="{BB962C8B-B14F-4D97-AF65-F5344CB8AC3E}">
         <p14:creationId xmlns:p14="http://schemas.microsoft.com/office/powerpoint/2010/main" val="2913435656"/>
+      </p:ext>
+    </p:extLst>
+  </p:cSld>
+  <p:clrMapOvr>
+    <a:masterClrMapping/>
+  </p:clrMapOvr>
+</p:sld>
+</file>
+
+<file path=ppt/slides/slide9.xml><?xml version="1.0" encoding="utf-8"?>
+<p:sld xmlns:a="http://schemas.openxmlformats.org/drawingml/2006/main" xmlns:r="http://schemas.openxmlformats.org/officeDocument/2006/relationships" xmlns:p="http://schemas.openxmlformats.org/presentationml/2006/main">
+  <p:cSld>
+    <p:spTree>
+      <p:nvGrpSpPr>
+        <p:cNvPr id="1" name=""/>
+        <p:cNvGrpSpPr/>
+        <p:nvPr/>
+      </p:nvGrpSpPr>
+      <p:grpSpPr>
+        <a:xfrm>
+          <a:off x="0" y="0"/>
+          <a:ext cx="0" cy="0"/>
+          <a:chOff x="0" y="0"/>
+          <a:chExt cx="0" cy="0"/>
+        </a:xfrm>
+      </p:grpSpPr>
+      <p:sp>
+        <p:nvSpPr>
+          <p:cNvPr id="2" name="Title 1">
+            <a:extLst>
+              <a:ext uri="{FF2B5EF4-FFF2-40B4-BE49-F238E27FC236}">
+                <a16:creationId xmlns:a16="http://schemas.microsoft.com/office/drawing/2014/main" id="{6FD8BCB7-A049-4E01-B67F-B0CB3A1FCBC3}"/>
+              </a:ext>
+            </a:extLst>
+          </p:cNvPr>
+          <p:cNvSpPr>
+            <a:spLocks noGrp="1"/>
+          </p:cNvSpPr>
+          <p:nvPr>
+            <p:ph type="title"/>
+          </p:nvPr>
+        </p:nvSpPr>
+        <p:spPr>
+          <a:xfrm>
+            <a:off x="838200" y="365126"/>
+            <a:ext cx="10515600" cy="387350"/>
+          </a:xfrm>
+        </p:spPr>
+        <p:txBody>
+          <a:bodyPr>
+            <a:normAutofit fontScale="90000"/>
+          </a:bodyPr>
+          <a:lstStyle/>
+          <a:p>
+            <a:r>
+              <a:rPr lang="en-IN" dirty="0"/>
+              <a:t>Docker compose</a:t>
+            </a:r>
+          </a:p>
+        </p:txBody>
+      </p:sp>
+      <p:sp>
+        <p:nvSpPr>
+          <p:cNvPr id="4" name="Rectangle 3">
+            <a:extLst>
+              <a:ext uri="{FF2B5EF4-FFF2-40B4-BE49-F238E27FC236}">
+                <a16:creationId xmlns:a16="http://schemas.microsoft.com/office/drawing/2014/main" id="{BA934661-AA7F-440E-A2E6-FB979368BB41}"/>
+              </a:ext>
+            </a:extLst>
+          </p:cNvPr>
+          <p:cNvSpPr/>
+          <p:nvPr/>
+        </p:nvSpPr>
+        <p:spPr>
+          <a:xfrm>
+            <a:off x="1266825" y="2171700"/>
+            <a:ext cx="10086975" cy="1962150"/>
+          </a:xfrm>
+          <a:prstGeom prst="rect">
+            <a:avLst/>
+          </a:prstGeom>
+        </p:spPr>
+        <p:style>
+          <a:lnRef idx="2">
+            <a:schemeClr val="accent1">
+              <a:shade val="50000"/>
+            </a:schemeClr>
+          </a:lnRef>
+          <a:fillRef idx="1">
+            <a:schemeClr val="accent1"/>
+          </a:fillRef>
+          <a:effectRef idx="0">
+            <a:schemeClr val="accent1"/>
+          </a:effectRef>
+          <a:fontRef idx="minor">
+            <a:schemeClr val="lt1"/>
+          </a:fontRef>
+        </p:style>
+        <p:txBody>
+          <a:bodyPr rtlCol="0" anchor="ctr"/>
+          <a:lstStyle/>
+          <a:p>
+            <a:pPr algn="ctr"/>
+            <a:endParaRPr lang="en-IN"/>
+          </a:p>
+        </p:txBody>
+      </p:sp>
+      <p:sp>
+        <p:nvSpPr>
+          <p:cNvPr id="5" name="Rectangle 4">
+            <a:extLst>
+              <a:ext uri="{FF2B5EF4-FFF2-40B4-BE49-F238E27FC236}">
+                <a16:creationId xmlns:a16="http://schemas.microsoft.com/office/drawing/2014/main" id="{C772F9EA-7327-4122-805A-1BEE88E0D038}"/>
+              </a:ext>
+            </a:extLst>
+          </p:cNvPr>
+          <p:cNvSpPr/>
+          <p:nvPr/>
+        </p:nvSpPr>
+        <p:spPr>
+          <a:xfrm>
+            <a:off x="1266825" y="4562475"/>
+            <a:ext cx="10086975" cy="1962150"/>
+          </a:xfrm>
+          <a:prstGeom prst="rect">
+            <a:avLst/>
+          </a:prstGeom>
+          <a:solidFill>
+            <a:schemeClr val="accent5">
+              <a:lumMod val="20000"/>
+              <a:lumOff val="80000"/>
+            </a:schemeClr>
+          </a:solidFill>
+        </p:spPr>
+        <p:style>
+          <a:lnRef idx="2">
+            <a:schemeClr val="accent1">
+              <a:shade val="50000"/>
+            </a:schemeClr>
+          </a:lnRef>
+          <a:fillRef idx="1">
+            <a:schemeClr val="accent1"/>
+          </a:fillRef>
+          <a:effectRef idx="0">
+            <a:schemeClr val="accent1"/>
+          </a:effectRef>
+          <a:fontRef idx="minor">
+            <a:schemeClr val="lt1"/>
+          </a:fontRef>
+        </p:style>
+        <p:txBody>
+          <a:bodyPr rtlCol="0" anchor="ctr"/>
+          <a:lstStyle/>
+          <a:p>
+            <a:pPr algn="ctr"/>
+            <a:endParaRPr lang="en-IN"/>
+          </a:p>
+        </p:txBody>
+      </p:sp>
+      <p:sp>
+        <p:nvSpPr>
+          <p:cNvPr id="6" name="TextBox 5">
+            <a:extLst>
+              <a:ext uri="{FF2B5EF4-FFF2-40B4-BE49-F238E27FC236}">
+                <a16:creationId xmlns:a16="http://schemas.microsoft.com/office/drawing/2014/main" id="{30347F1C-15C9-4D98-8F6B-2357DD33B353}"/>
+              </a:ext>
+            </a:extLst>
+          </p:cNvPr>
+          <p:cNvSpPr txBox="1"/>
+          <p:nvPr/>
+        </p:nvSpPr>
+        <p:spPr>
+          <a:xfrm>
+            <a:off x="85725" y="3086100"/>
+            <a:ext cx="1181100" cy="369332"/>
+          </a:xfrm>
+          <a:prstGeom prst="rect">
+            <a:avLst/>
+          </a:prstGeom>
+          <a:noFill/>
+        </p:spPr>
+        <p:txBody>
+          <a:bodyPr wrap="square" rtlCol="0">
+            <a:spAutoFit/>
+          </a:bodyPr>
+          <a:lstStyle/>
+          <a:p>
+            <a:r>
+              <a:rPr lang="en-IN" dirty="0"/>
+              <a:t>Frontend</a:t>
+            </a:r>
+          </a:p>
+        </p:txBody>
+      </p:sp>
+      <p:sp>
+        <p:nvSpPr>
+          <p:cNvPr id="7" name="TextBox 6">
+            <a:extLst>
+              <a:ext uri="{FF2B5EF4-FFF2-40B4-BE49-F238E27FC236}">
+                <a16:creationId xmlns:a16="http://schemas.microsoft.com/office/drawing/2014/main" id="{E2F56E82-242E-4F83-B998-4330D962604F}"/>
+              </a:ext>
+            </a:extLst>
+          </p:cNvPr>
+          <p:cNvSpPr txBox="1"/>
+          <p:nvPr/>
+        </p:nvSpPr>
+        <p:spPr>
+          <a:xfrm>
+            <a:off x="85725" y="5276850"/>
+            <a:ext cx="1181100" cy="369332"/>
+          </a:xfrm>
+          <a:prstGeom prst="rect">
+            <a:avLst/>
+          </a:prstGeom>
+          <a:noFill/>
+        </p:spPr>
+        <p:txBody>
+          <a:bodyPr wrap="square" rtlCol="0">
+            <a:spAutoFit/>
+          </a:bodyPr>
+          <a:lstStyle/>
+          <a:p>
+            <a:r>
+              <a:rPr lang="en-IN" dirty="0"/>
+              <a:t>Backend</a:t>
+            </a:r>
+          </a:p>
+        </p:txBody>
+      </p:sp>
+      <p:sp>
+        <p:nvSpPr>
+          <p:cNvPr id="8" name="Oval 7">
+            <a:extLst>
+              <a:ext uri="{FF2B5EF4-FFF2-40B4-BE49-F238E27FC236}">
+                <a16:creationId xmlns:a16="http://schemas.microsoft.com/office/drawing/2014/main" id="{C103BA49-7B73-4471-9766-282A7425B06E}"/>
+              </a:ext>
+            </a:extLst>
+          </p:cNvPr>
+          <p:cNvSpPr/>
+          <p:nvPr/>
+        </p:nvSpPr>
+        <p:spPr>
+          <a:xfrm>
+            <a:off x="2343150" y="4695825"/>
+            <a:ext cx="1828800" cy="581025"/>
+          </a:xfrm>
+          <a:prstGeom prst="ellipse">
+            <a:avLst/>
+          </a:prstGeom>
+        </p:spPr>
+        <p:style>
+          <a:lnRef idx="2">
+            <a:schemeClr val="accent1">
+              <a:shade val="50000"/>
+            </a:schemeClr>
+          </a:lnRef>
+          <a:fillRef idx="1">
+            <a:schemeClr val="accent1"/>
+          </a:fillRef>
+          <a:effectRef idx="0">
+            <a:schemeClr val="accent1"/>
+          </a:effectRef>
+          <a:fontRef idx="minor">
+            <a:schemeClr val="lt1"/>
+          </a:fontRef>
+        </p:style>
+        <p:txBody>
+          <a:bodyPr rtlCol="0" anchor="ctr"/>
+          <a:lstStyle/>
+          <a:p>
+            <a:pPr algn="ctr"/>
+            <a:r>
+              <a:rPr lang="en-IN" dirty="0" err="1"/>
+              <a:t>mssql</a:t>
+            </a:r>
+            <a:endParaRPr lang="en-IN" dirty="0"/>
+          </a:p>
+        </p:txBody>
+      </p:sp>
+      <p:sp>
+        <p:nvSpPr>
+          <p:cNvPr id="9" name="Oval 8">
+            <a:extLst>
+              <a:ext uri="{FF2B5EF4-FFF2-40B4-BE49-F238E27FC236}">
+                <a16:creationId xmlns:a16="http://schemas.microsoft.com/office/drawing/2014/main" id="{7A200B49-4AF9-4E35-9D1C-56680E6680DC}"/>
+              </a:ext>
+            </a:extLst>
+          </p:cNvPr>
+          <p:cNvSpPr/>
+          <p:nvPr/>
+        </p:nvSpPr>
+        <p:spPr>
+          <a:xfrm>
+            <a:off x="5543550" y="4800600"/>
+            <a:ext cx="2105025" cy="476250"/>
+          </a:xfrm>
+          <a:prstGeom prst="ellipse">
+            <a:avLst/>
+          </a:prstGeom>
+        </p:spPr>
+        <p:style>
+          <a:lnRef idx="2">
+            <a:schemeClr val="accent1">
+              <a:shade val="50000"/>
+            </a:schemeClr>
+          </a:lnRef>
+          <a:fillRef idx="1">
+            <a:schemeClr val="accent1"/>
+          </a:fillRef>
+          <a:effectRef idx="0">
+            <a:schemeClr val="accent1"/>
+          </a:effectRef>
+          <a:fontRef idx="minor">
+            <a:schemeClr val="lt1"/>
+          </a:fontRef>
+        </p:style>
+        <p:txBody>
+          <a:bodyPr rtlCol="0" anchor="ctr"/>
+          <a:lstStyle/>
+          <a:p>
+            <a:pPr algn="ctr"/>
+            <a:r>
+              <a:rPr lang="en-IN" dirty="0" err="1"/>
+              <a:t>eventsvc</a:t>
+            </a:r>
+            <a:endParaRPr lang="en-IN" dirty="0"/>
+          </a:p>
+        </p:txBody>
+      </p:sp>
+      <p:sp>
+        <p:nvSpPr>
+          <p:cNvPr id="10" name="Oval 9">
+            <a:extLst>
+              <a:ext uri="{FF2B5EF4-FFF2-40B4-BE49-F238E27FC236}">
+                <a16:creationId xmlns:a16="http://schemas.microsoft.com/office/drawing/2014/main" id="{05F969AF-27C9-4916-A9D9-EFB659A1C4E4}"/>
+              </a:ext>
+            </a:extLst>
+          </p:cNvPr>
+          <p:cNvSpPr/>
+          <p:nvPr/>
+        </p:nvSpPr>
+        <p:spPr>
+          <a:xfrm>
+            <a:off x="8677275" y="4800600"/>
+            <a:ext cx="2105025" cy="476250"/>
+          </a:xfrm>
+          <a:prstGeom prst="ellipse">
+            <a:avLst/>
+          </a:prstGeom>
+        </p:spPr>
+        <p:style>
+          <a:lnRef idx="2">
+            <a:schemeClr val="accent1">
+              <a:shade val="50000"/>
+            </a:schemeClr>
+          </a:lnRef>
+          <a:fillRef idx="1">
+            <a:schemeClr val="accent1"/>
+          </a:fillRef>
+          <a:effectRef idx="0">
+            <a:schemeClr val="accent1"/>
+          </a:effectRef>
+          <a:fontRef idx="minor">
+            <a:schemeClr val="lt1"/>
+          </a:fontRef>
+        </p:style>
+        <p:txBody>
+          <a:bodyPr rtlCol="0" anchor="ctr"/>
+          <a:lstStyle/>
+          <a:p>
+            <a:pPr algn="ctr"/>
+            <a:r>
+              <a:rPr lang="en-IN" dirty="0" err="1"/>
+              <a:t>identitysvc</a:t>
+            </a:r>
+            <a:endParaRPr lang="en-IN" dirty="0"/>
+          </a:p>
+        </p:txBody>
+      </p:sp>
+      <p:sp>
+        <p:nvSpPr>
+          <p:cNvPr id="11" name="Rectangle 10">
+            <a:extLst>
+              <a:ext uri="{FF2B5EF4-FFF2-40B4-BE49-F238E27FC236}">
+                <a16:creationId xmlns:a16="http://schemas.microsoft.com/office/drawing/2014/main" id="{E43BADEC-0F2B-4635-92C5-9CE5908406B5}"/>
+              </a:ext>
+            </a:extLst>
+          </p:cNvPr>
+          <p:cNvSpPr/>
+          <p:nvPr/>
+        </p:nvSpPr>
+        <p:spPr>
+          <a:xfrm>
+            <a:off x="2424112" y="6035674"/>
+            <a:ext cx="1666875" cy="409575"/>
+          </a:xfrm>
+          <a:prstGeom prst="rect">
+            <a:avLst/>
+          </a:prstGeom>
+        </p:spPr>
+        <p:style>
+          <a:lnRef idx="2">
+            <a:schemeClr val="accent1">
+              <a:shade val="50000"/>
+            </a:schemeClr>
+          </a:lnRef>
+          <a:fillRef idx="1">
+            <a:schemeClr val="accent1"/>
+          </a:fillRef>
+          <a:effectRef idx="0">
+            <a:schemeClr val="accent1"/>
+          </a:effectRef>
+          <a:fontRef idx="minor">
+            <a:schemeClr val="lt1"/>
+          </a:fontRef>
+        </p:style>
+        <p:txBody>
+          <a:bodyPr rtlCol="0" anchor="ctr"/>
+          <a:lstStyle/>
+          <a:p>
+            <a:pPr algn="ctr"/>
+            <a:r>
+              <a:rPr lang="en-IN" dirty="0" err="1"/>
+              <a:t>mysqlcontainer</a:t>
+            </a:r>
+            <a:endParaRPr lang="en-IN" dirty="0"/>
+          </a:p>
+        </p:txBody>
+      </p:sp>
+      <p:cxnSp>
+        <p:nvCxnSpPr>
+          <p:cNvPr id="13" name="Straight Arrow Connector 12">
+            <a:extLst>
+              <a:ext uri="{FF2B5EF4-FFF2-40B4-BE49-F238E27FC236}">
+                <a16:creationId xmlns:a16="http://schemas.microsoft.com/office/drawing/2014/main" id="{37918CF2-7EF7-4060-B77B-BD3B57E55EB8}"/>
+              </a:ext>
+            </a:extLst>
+          </p:cNvPr>
+          <p:cNvCxnSpPr>
+            <a:stCxn id="8" idx="4"/>
+            <a:endCxn id="11" idx="0"/>
+          </p:cNvCxnSpPr>
+          <p:nvPr/>
+        </p:nvCxnSpPr>
+        <p:spPr>
+          <a:xfrm>
+            <a:off x="3257550" y="5276850"/>
+            <a:ext cx="0" cy="758824"/>
+          </a:xfrm>
+          <a:prstGeom prst="straightConnector1">
+            <a:avLst/>
+          </a:prstGeom>
+          <a:ln>
+            <a:tailEnd type="triangle"/>
+          </a:ln>
+        </p:spPr>
+        <p:style>
+          <a:lnRef idx="1">
+            <a:schemeClr val="accent1"/>
+          </a:lnRef>
+          <a:fillRef idx="0">
+            <a:schemeClr val="accent1"/>
+          </a:fillRef>
+          <a:effectRef idx="0">
+            <a:schemeClr val="accent1"/>
+          </a:effectRef>
+          <a:fontRef idx="minor">
+            <a:schemeClr val="tx1"/>
+          </a:fontRef>
+        </p:style>
+      </p:cxnSp>
+      <p:sp>
+        <p:nvSpPr>
+          <p:cNvPr id="20" name="Rectangle 19">
+            <a:extLst>
+              <a:ext uri="{FF2B5EF4-FFF2-40B4-BE49-F238E27FC236}">
+                <a16:creationId xmlns:a16="http://schemas.microsoft.com/office/drawing/2014/main" id="{71FA0DBF-E407-4549-9A05-02B045DBA142}"/>
+              </a:ext>
+            </a:extLst>
+          </p:cNvPr>
+          <p:cNvSpPr/>
+          <p:nvPr/>
+        </p:nvSpPr>
+        <p:spPr>
+          <a:xfrm>
+            <a:off x="2481262" y="1025526"/>
+            <a:ext cx="1552575" cy="387350"/>
+          </a:xfrm>
+          <a:prstGeom prst="rect">
+            <a:avLst/>
+          </a:prstGeom>
+        </p:spPr>
+        <p:style>
+          <a:lnRef idx="2">
+            <a:schemeClr val="accent1">
+              <a:shade val="50000"/>
+            </a:schemeClr>
+          </a:lnRef>
+          <a:fillRef idx="1">
+            <a:schemeClr val="accent1"/>
+          </a:fillRef>
+          <a:effectRef idx="0">
+            <a:schemeClr val="accent1"/>
+          </a:effectRef>
+          <a:fontRef idx="minor">
+            <a:schemeClr val="lt1"/>
+          </a:fontRef>
+        </p:style>
+        <p:txBody>
+          <a:bodyPr rtlCol="0" anchor="ctr"/>
+          <a:lstStyle/>
+          <a:p>
+            <a:pPr algn="ctr"/>
+            <a:r>
+              <a:rPr lang="en-IN" dirty="0"/>
+              <a:t>SSMS</a:t>
+            </a:r>
+          </a:p>
+        </p:txBody>
+      </p:sp>
+      <p:cxnSp>
+        <p:nvCxnSpPr>
+          <p:cNvPr id="22" name="Straight Arrow Connector 21">
+            <a:extLst>
+              <a:ext uri="{FF2B5EF4-FFF2-40B4-BE49-F238E27FC236}">
+                <a16:creationId xmlns:a16="http://schemas.microsoft.com/office/drawing/2014/main" id="{2B36C564-29F5-4160-8C44-50AFD92D6E72}"/>
+              </a:ext>
+            </a:extLst>
+          </p:cNvPr>
+          <p:cNvCxnSpPr>
+            <a:stCxn id="20" idx="2"/>
+            <a:endCxn id="8" idx="0"/>
+          </p:cNvCxnSpPr>
+          <p:nvPr/>
+        </p:nvCxnSpPr>
+        <p:spPr>
+          <a:xfrm>
+            <a:off x="3257550" y="1412876"/>
+            <a:ext cx="0" cy="3282949"/>
+          </a:xfrm>
+          <a:prstGeom prst="straightConnector1">
+            <a:avLst/>
+          </a:prstGeom>
+          <a:ln w="38100">
+            <a:solidFill>
+              <a:srgbClr val="C00000"/>
+            </a:solidFill>
+            <a:tailEnd type="triangle"/>
+          </a:ln>
+        </p:spPr>
+        <p:style>
+          <a:lnRef idx="1">
+            <a:schemeClr val="accent1"/>
+          </a:lnRef>
+          <a:fillRef idx="0">
+            <a:schemeClr val="accent1"/>
+          </a:fillRef>
+          <a:effectRef idx="0">
+            <a:schemeClr val="accent1"/>
+          </a:effectRef>
+          <a:fontRef idx="minor">
+            <a:schemeClr val="tx1"/>
+          </a:fontRef>
+        </p:style>
+      </p:cxnSp>
+      <p:sp>
+        <p:nvSpPr>
+          <p:cNvPr id="24" name="TextBox 23">
+            <a:extLst>
+              <a:ext uri="{FF2B5EF4-FFF2-40B4-BE49-F238E27FC236}">
+                <a16:creationId xmlns:a16="http://schemas.microsoft.com/office/drawing/2014/main" id="{24672AB3-9E5E-4FAE-9E7D-CC1B1178CEEB}"/>
+              </a:ext>
+            </a:extLst>
+          </p:cNvPr>
+          <p:cNvSpPr txBox="1"/>
+          <p:nvPr/>
+        </p:nvSpPr>
+        <p:spPr>
+          <a:xfrm>
+            <a:off x="3200399" y="5619272"/>
+            <a:ext cx="833438" cy="369332"/>
+          </a:xfrm>
+          <a:prstGeom prst="rect">
+            <a:avLst/>
+          </a:prstGeom>
+          <a:noFill/>
+        </p:spPr>
+        <p:txBody>
+          <a:bodyPr wrap="square" rtlCol="0">
+            <a:spAutoFit/>
+          </a:bodyPr>
+          <a:lstStyle/>
+          <a:p>
+            <a:r>
+              <a:rPr lang="en-IN" dirty="0"/>
+              <a:t>1433</a:t>
+            </a:r>
+          </a:p>
+        </p:txBody>
+      </p:sp>
+      <p:sp>
+        <p:nvSpPr>
+          <p:cNvPr id="25" name="TextBox 24">
+            <a:extLst>
+              <a:ext uri="{FF2B5EF4-FFF2-40B4-BE49-F238E27FC236}">
+                <a16:creationId xmlns:a16="http://schemas.microsoft.com/office/drawing/2014/main" id="{F31C005F-4D48-4B56-ACDA-197FABD2EE83}"/>
+              </a:ext>
+            </a:extLst>
+          </p:cNvPr>
+          <p:cNvSpPr txBox="1"/>
+          <p:nvPr/>
+        </p:nvSpPr>
+        <p:spPr>
+          <a:xfrm>
+            <a:off x="3257549" y="4239696"/>
+            <a:ext cx="833438" cy="369332"/>
+          </a:xfrm>
+          <a:prstGeom prst="rect">
+            <a:avLst/>
+          </a:prstGeom>
+          <a:noFill/>
+        </p:spPr>
+        <p:txBody>
+          <a:bodyPr wrap="square" rtlCol="0">
+            <a:spAutoFit/>
+          </a:bodyPr>
+          <a:lstStyle/>
+          <a:p>
+            <a:r>
+              <a:rPr lang="en-IN" dirty="0"/>
+              <a:t>1500</a:t>
+            </a:r>
+          </a:p>
+        </p:txBody>
+      </p:sp>
+      <p:sp>
+        <p:nvSpPr>
+          <p:cNvPr id="27" name="Rectangle 26">
+            <a:extLst>
+              <a:ext uri="{FF2B5EF4-FFF2-40B4-BE49-F238E27FC236}">
+                <a16:creationId xmlns:a16="http://schemas.microsoft.com/office/drawing/2014/main" id="{3EAC1E98-441E-4E41-A7DC-8A5BEC64847F}"/>
+              </a:ext>
+            </a:extLst>
+          </p:cNvPr>
+          <p:cNvSpPr/>
+          <p:nvPr/>
+        </p:nvSpPr>
+        <p:spPr>
+          <a:xfrm>
+            <a:off x="8896349" y="6035674"/>
+            <a:ext cx="1666875" cy="409575"/>
+          </a:xfrm>
+          <a:prstGeom prst="rect">
+            <a:avLst/>
+          </a:prstGeom>
+        </p:spPr>
+        <p:style>
+          <a:lnRef idx="2">
+            <a:schemeClr val="accent1">
+              <a:shade val="50000"/>
+            </a:schemeClr>
+          </a:lnRef>
+          <a:fillRef idx="1">
+            <a:schemeClr val="accent1"/>
+          </a:fillRef>
+          <a:effectRef idx="0">
+            <a:schemeClr val="accent1"/>
+          </a:effectRef>
+          <a:fontRef idx="minor">
+            <a:schemeClr val="lt1"/>
+          </a:fontRef>
+        </p:style>
+        <p:txBody>
+          <a:bodyPr rtlCol="0" anchor="ctr"/>
+          <a:lstStyle/>
+          <a:p>
+            <a:pPr algn="ctr"/>
+            <a:r>
+              <a:rPr lang="en-IN" dirty="0"/>
+              <a:t>identity</a:t>
+            </a:r>
+          </a:p>
+        </p:txBody>
+      </p:sp>
+      <p:cxnSp>
+        <p:nvCxnSpPr>
+          <p:cNvPr id="29" name="Straight Arrow Connector 28">
+            <a:extLst>
+              <a:ext uri="{FF2B5EF4-FFF2-40B4-BE49-F238E27FC236}">
+                <a16:creationId xmlns:a16="http://schemas.microsoft.com/office/drawing/2014/main" id="{0D986C5E-D927-46FB-8A2D-F9203057330B}"/>
+              </a:ext>
+            </a:extLst>
+          </p:cNvPr>
+          <p:cNvCxnSpPr>
+            <a:cxnSpLocks/>
+            <a:stCxn id="10" idx="4"/>
+            <a:endCxn id="27" idx="0"/>
+          </p:cNvCxnSpPr>
+          <p:nvPr/>
+        </p:nvCxnSpPr>
+        <p:spPr>
+          <a:xfrm flipH="1">
+            <a:off x="9729787" y="5276850"/>
+            <a:ext cx="1" cy="758824"/>
+          </a:xfrm>
+          <a:prstGeom prst="straightConnector1">
+            <a:avLst/>
+          </a:prstGeom>
+          <a:ln>
+            <a:tailEnd type="triangle"/>
+          </a:ln>
+        </p:spPr>
+        <p:style>
+          <a:lnRef idx="1">
+            <a:schemeClr val="accent1"/>
+          </a:lnRef>
+          <a:fillRef idx="0">
+            <a:schemeClr val="accent1"/>
+          </a:fillRef>
+          <a:effectRef idx="0">
+            <a:schemeClr val="accent1"/>
+          </a:effectRef>
+          <a:fontRef idx="minor">
+            <a:schemeClr val="tx1"/>
+          </a:fontRef>
+        </p:style>
+      </p:cxnSp>
+      <p:cxnSp>
+        <p:nvCxnSpPr>
+          <p:cNvPr id="33" name="Straight Arrow Connector 32">
+            <a:extLst>
+              <a:ext uri="{FF2B5EF4-FFF2-40B4-BE49-F238E27FC236}">
+                <a16:creationId xmlns:a16="http://schemas.microsoft.com/office/drawing/2014/main" id="{60C14507-E4AF-47F5-86E0-DEE401E3CED5}"/>
+              </a:ext>
+            </a:extLst>
+          </p:cNvPr>
+          <p:cNvCxnSpPr/>
+          <p:nvPr/>
+        </p:nvCxnSpPr>
+        <p:spPr>
+          <a:xfrm>
+            <a:off x="9729786" y="1517651"/>
+            <a:ext cx="0" cy="3282949"/>
+          </a:xfrm>
+          <a:prstGeom prst="straightConnector1">
+            <a:avLst/>
+          </a:prstGeom>
+          <a:ln w="38100">
+            <a:solidFill>
+              <a:srgbClr val="C00000"/>
+            </a:solidFill>
+            <a:tailEnd type="triangle"/>
+          </a:ln>
+        </p:spPr>
+        <p:style>
+          <a:lnRef idx="1">
+            <a:schemeClr val="accent1"/>
+          </a:lnRef>
+          <a:fillRef idx="0">
+            <a:schemeClr val="accent1"/>
+          </a:fillRef>
+          <a:effectRef idx="0">
+            <a:schemeClr val="accent1"/>
+          </a:effectRef>
+          <a:fontRef idx="minor">
+            <a:schemeClr val="tx1"/>
+          </a:fontRef>
+        </p:style>
+      </p:cxnSp>
+      <p:sp>
+        <p:nvSpPr>
+          <p:cNvPr id="34" name="TextBox 33">
+            <a:extLst>
+              <a:ext uri="{FF2B5EF4-FFF2-40B4-BE49-F238E27FC236}">
+                <a16:creationId xmlns:a16="http://schemas.microsoft.com/office/drawing/2014/main" id="{CD8AC285-317C-4C22-BAD7-89DECA6F1313}"/>
+              </a:ext>
+            </a:extLst>
+          </p:cNvPr>
+          <p:cNvSpPr txBox="1"/>
+          <p:nvPr/>
+        </p:nvSpPr>
+        <p:spPr>
+          <a:xfrm>
+            <a:off x="9708355" y="4249221"/>
+            <a:ext cx="833438" cy="369332"/>
+          </a:xfrm>
+          <a:prstGeom prst="rect">
+            <a:avLst/>
+          </a:prstGeom>
+          <a:noFill/>
+        </p:spPr>
+        <p:txBody>
+          <a:bodyPr wrap="square" rtlCol="0">
+            <a:spAutoFit/>
+          </a:bodyPr>
+          <a:lstStyle/>
+          <a:p>
+            <a:r>
+              <a:rPr lang="en-IN" dirty="0"/>
+              <a:t>5000</a:t>
+            </a:r>
+          </a:p>
+        </p:txBody>
+      </p:sp>
+      <p:sp>
+        <p:nvSpPr>
+          <p:cNvPr id="35" name="TextBox 34">
+            <a:extLst>
+              <a:ext uri="{FF2B5EF4-FFF2-40B4-BE49-F238E27FC236}">
+                <a16:creationId xmlns:a16="http://schemas.microsoft.com/office/drawing/2014/main" id="{C69D8545-51EA-4F85-999D-5C27A0B7C004}"/>
+              </a:ext>
+            </a:extLst>
+          </p:cNvPr>
+          <p:cNvSpPr txBox="1"/>
+          <p:nvPr/>
+        </p:nvSpPr>
+        <p:spPr>
+          <a:xfrm>
+            <a:off x="9708355" y="5643006"/>
+            <a:ext cx="833438" cy="369332"/>
+          </a:xfrm>
+          <a:prstGeom prst="rect">
+            <a:avLst/>
+          </a:prstGeom>
+          <a:noFill/>
+        </p:spPr>
+        <p:txBody>
+          <a:bodyPr wrap="square" rtlCol="0">
+            <a:spAutoFit/>
+          </a:bodyPr>
+          <a:lstStyle/>
+          <a:p>
+            <a:r>
+              <a:rPr lang="en-IN" dirty="0"/>
+              <a:t>80</a:t>
+            </a:r>
+          </a:p>
+        </p:txBody>
+      </p:sp>
+      <p:sp>
+        <p:nvSpPr>
+          <p:cNvPr id="36" name="Rectangle 35">
+            <a:extLst>
+              <a:ext uri="{FF2B5EF4-FFF2-40B4-BE49-F238E27FC236}">
+                <a16:creationId xmlns:a16="http://schemas.microsoft.com/office/drawing/2014/main" id="{72CE16C5-3098-4649-BDB8-6FF49FC6DCD5}"/>
+              </a:ext>
+            </a:extLst>
+          </p:cNvPr>
+          <p:cNvSpPr/>
+          <p:nvPr/>
+        </p:nvSpPr>
+        <p:spPr>
+          <a:xfrm>
+            <a:off x="8677275" y="752476"/>
+            <a:ext cx="1885946" cy="649804"/>
+          </a:xfrm>
+          <a:prstGeom prst="rect">
+            <a:avLst/>
+          </a:prstGeom>
+        </p:spPr>
+        <p:style>
+          <a:lnRef idx="2">
+            <a:schemeClr val="accent1">
+              <a:shade val="50000"/>
+            </a:schemeClr>
+          </a:lnRef>
+          <a:fillRef idx="1">
+            <a:schemeClr val="accent1"/>
+          </a:fillRef>
+          <a:effectRef idx="0">
+            <a:schemeClr val="accent1"/>
+          </a:effectRef>
+          <a:fontRef idx="minor">
+            <a:schemeClr val="lt1"/>
+          </a:fontRef>
+        </p:style>
+        <p:txBody>
+          <a:bodyPr rtlCol="0" anchor="ctr"/>
+          <a:lstStyle/>
+          <a:p>
+            <a:pPr algn="ctr"/>
+            <a:r>
+              <a:rPr lang="en-IN" dirty="0"/>
+              <a:t>Chrome/Postman</a:t>
+            </a:r>
+          </a:p>
+        </p:txBody>
+      </p:sp>
+      <p:sp>
+        <p:nvSpPr>
+          <p:cNvPr id="37" name="Rectangle 36">
+            <a:extLst>
+              <a:ext uri="{FF2B5EF4-FFF2-40B4-BE49-F238E27FC236}">
+                <a16:creationId xmlns:a16="http://schemas.microsoft.com/office/drawing/2014/main" id="{B53EA7EC-FAC5-46DF-82A7-70C37F320E7B}"/>
+              </a:ext>
+            </a:extLst>
+          </p:cNvPr>
+          <p:cNvSpPr/>
+          <p:nvPr/>
+        </p:nvSpPr>
+        <p:spPr>
+          <a:xfrm>
+            <a:off x="5762624" y="6035673"/>
+            <a:ext cx="1666875" cy="409575"/>
+          </a:xfrm>
+          <a:prstGeom prst="rect">
+            <a:avLst/>
+          </a:prstGeom>
+        </p:spPr>
+        <p:style>
+          <a:lnRef idx="2">
+            <a:schemeClr val="accent1">
+              <a:shade val="50000"/>
+            </a:schemeClr>
+          </a:lnRef>
+          <a:fillRef idx="1">
+            <a:schemeClr val="accent1"/>
+          </a:fillRef>
+          <a:effectRef idx="0">
+            <a:schemeClr val="accent1"/>
+          </a:effectRef>
+          <a:fontRef idx="minor">
+            <a:schemeClr val="lt1"/>
+          </a:fontRef>
+        </p:style>
+        <p:txBody>
+          <a:bodyPr rtlCol="0" anchor="ctr"/>
+          <a:lstStyle/>
+          <a:p>
+            <a:pPr algn="ctr"/>
+            <a:r>
+              <a:rPr lang="en-IN" dirty="0" err="1"/>
+              <a:t>eventapi</a:t>
+            </a:r>
+            <a:endParaRPr lang="en-IN" dirty="0"/>
+          </a:p>
+        </p:txBody>
+      </p:sp>
+      <p:cxnSp>
+        <p:nvCxnSpPr>
+          <p:cNvPr id="39" name="Straight Arrow Connector 38">
+            <a:extLst>
+              <a:ext uri="{FF2B5EF4-FFF2-40B4-BE49-F238E27FC236}">
+                <a16:creationId xmlns:a16="http://schemas.microsoft.com/office/drawing/2014/main" id="{0C985DDA-3394-4295-95F5-9D20C44D97DE}"/>
+              </a:ext>
+            </a:extLst>
+          </p:cNvPr>
+          <p:cNvCxnSpPr>
+            <a:stCxn id="9" idx="4"/>
+            <a:endCxn id="37" idx="0"/>
+          </p:cNvCxnSpPr>
+          <p:nvPr/>
+        </p:nvCxnSpPr>
+        <p:spPr>
+          <a:xfrm flipH="1">
+            <a:off x="6596062" y="5276850"/>
+            <a:ext cx="1" cy="758823"/>
+          </a:xfrm>
+          <a:prstGeom prst="straightConnector1">
+            <a:avLst/>
+          </a:prstGeom>
+          <a:ln>
+            <a:tailEnd type="triangle"/>
+          </a:ln>
+        </p:spPr>
+        <p:style>
+          <a:lnRef idx="1">
+            <a:schemeClr val="accent1"/>
+          </a:lnRef>
+          <a:fillRef idx="0">
+            <a:schemeClr val="accent1"/>
+          </a:fillRef>
+          <a:effectRef idx="0">
+            <a:schemeClr val="accent1"/>
+          </a:effectRef>
+          <a:fontRef idx="minor">
+            <a:schemeClr val="tx1"/>
+          </a:fontRef>
+        </p:style>
+      </p:cxnSp>
+      <p:sp>
+        <p:nvSpPr>
+          <p:cNvPr id="41" name="Rectangle 40">
+            <a:extLst>
+              <a:ext uri="{FF2B5EF4-FFF2-40B4-BE49-F238E27FC236}">
+                <a16:creationId xmlns:a16="http://schemas.microsoft.com/office/drawing/2014/main" id="{B52DE1C6-F9EC-4B0C-8535-05AB8FC75451}"/>
+              </a:ext>
+            </a:extLst>
+          </p:cNvPr>
+          <p:cNvSpPr/>
+          <p:nvPr/>
+        </p:nvSpPr>
+        <p:spPr>
+          <a:xfrm>
+            <a:off x="5550695" y="763072"/>
+            <a:ext cx="1885946" cy="649804"/>
+          </a:xfrm>
+          <a:prstGeom prst="rect">
+            <a:avLst/>
+          </a:prstGeom>
+        </p:spPr>
+        <p:style>
+          <a:lnRef idx="2">
+            <a:schemeClr val="accent1">
+              <a:shade val="50000"/>
+            </a:schemeClr>
+          </a:lnRef>
+          <a:fillRef idx="1">
+            <a:schemeClr val="accent1"/>
+          </a:fillRef>
+          <a:effectRef idx="0">
+            <a:schemeClr val="accent1"/>
+          </a:effectRef>
+          <a:fontRef idx="minor">
+            <a:schemeClr val="lt1"/>
+          </a:fontRef>
+        </p:style>
+        <p:txBody>
+          <a:bodyPr rtlCol="0" anchor="ctr"/>
+          <a:lstStyle/>
+          <a:p>
+            <a:pPr algn="ctr"/>
+            <a:r>
+              <a:rPr lang="en-IN" dirty="0"/>
+              <a:t>Chrome/Postman</a:t>
+            </a:r>
+          </a:p>
+        </p:txBody>
+      </p:sp>
+      <p:cxnSp>
+        <p:nvCxnSpPr>
+          <p:cNvPr id="42" name="Straight Arrow Connector 41">
+            <a:extLst>
+              <a:ext uri="{FF2B5EF4-FFF2-40B4-BE49-F238E27FC236}">
+                <a16:creationId xmlns:a16="http://schemas.microsoft.com/office/drawing/2014/main" id="{B8D80EC8-F668-48D2-A743-E93194F9DF9E}"/>
+              </a:ext>
+            </a:extLst>
+          </p:cNvPr>
+          <p:cNvCxnSpPr/>
+          <p:nvPr/>
+        </p:nvCxnSpPr>
+        <p:spPr>
+          <a:xfrm>
+            <a:off x="6596061" y="1517651"/>
+            <a:ext cx="0" cy="3282949"/>
+          </a:xfrm>
+          <a:prstGeom prst="straightConnector1">
+            <a:avLst/>
+          </a:prstGeom>
+          <a:ln w="38100">
+            <a:solidFill>
+              <a:srgbClr val="C00000"/>
+            </a:solidFill>
+            <a:tailEnd type="triangle"/>
+          </a:ln>
+        </p:spPr>
+        <p:style>
+          <a:lnRef idx="1">
+            <a:schemeClr val="accent1"/>
+          </a:lnRef>
+          <a:fillRef idx="0">
+            <a:schemeClr val="accent1"/>
+          </a:fillRef>
+          <a:effectRef idx="0">
+            <a:schemeClr val="accent1"/>
+          </a:effectRef>
+          <a:fontRef idx="minor">
+            <a:schemeClr val="tx1"/>
+          </a:fontRef>
+        </p:style>
+      </p:cxnSp>
+      <p:sp>
+        <p:nvSpPr>
+          <p:cNvPr id="43" name="TextBox 42">
+            <a:extLst>
+              <a:ext uri="{FF2B5EF4-FFF2-40B4-BE49-F238E27FC236}">
+                <a16:creationId xmlns:a16="http://schemas.microsoft.com/office/drawing/2014/main" id="{5CC6D554-390B-4BD4-83CF-B122943CD18D}"/>
+              </a:ext>
+            </a:extLst>
+          </p:cNvPr>
+          <p:cNvSpPr txBox="1"/>
+          <p:nvPr/>
+        </p:nvSpPr>
+        <p:spPr>
+          <a:xfrm>
+            <a:off x="6617493" y="4262438"/>
+            <a:ext cx="833438" cy="369332"/>
+          </a:xfrm>
+          <a:prstGeom prst="rect">
+            <a:avLst/>
+          </a:prstGeom>
+          <a:noFill/>
+        </p:spPr>
+        <p:txBody>
+          <a:bodyPr wrap="square" rtlCol="0">
+            <a:spAutoFit/>
+          </a:bodyPr>
+          <a:lstStyle/>
+          <a:p>
+            <a:r>
+              <a:rPr lang="en-IN" dirty="0"/>
+              <a:t>5001</a:t>
+            </a:r>
+          </a:p>
+        </p:txBody>
+      </p:sp>
+      <p:sp>
+        <p:nvSpPr>
+          <p:cNvPr id="44" name="TextBox 43">
+            <a:extLst>
+              <a:ext uri="{FF2B5EF4-FFF2-40B4-BE49-F238E27FC236}">
+                <a16:creationId xmlns:a16="http://schemas.microsoft.com/office/drawing/2014/main" id="{EEA25AC2-A32C-4984-9F62-F5D52406755D}"/>
+              </a:ext>
+            </a:extLst>
+          </p:cNvPr>
+          <p:cNvSpPr txBox="1"/>
+          <p:nvPr/>
+        </p:nvSpPr>
+        <p:spPr>
+          <a:xfrm>
+            <a:off x="6617493" y="5630343"/>
+            <a:ext cx="833438" cy="369332"/>
+          </a:xfrm>
+          <a:prstGeom prst="rect">
+            <a:avLst/>
+          </a:prstGeom>
+          <a:noFill/>
+        </p:spPr>
+        <p:txBody>
+          <a:bodyPr wrap="square" rtlCol="0">
+            <a:spAutoFit/>
+          </a:bodyPr>
+          <a:lstStyle/>
+          <a:p>
+            <a:r>
+              <a:rPr lang="en-IN" dirty="0"/>
+              <a:t>80</a:t>
+            </a:r>
+          </a:p>
+        </p:txBody>
+      </p:sp>
+    </p:spTree>
+    <p:extLst>
+      <p:ext uri="{BB962C8B-B14F-4D97-AF65-F5344CB8AC3E}">
+        <p14:creationId xmlns:p14="http://schemas.microsoft.com/office/powerpoint/2010/main" val="2458464052"/>
       </p:ext>
     </p:extLst>
   </p:cSld>
